--- a/GAN/SESAME.pptx
+++ b/GAN/SESAME.pptx
@@ -5,11 +5,11 @@
     <p:sldMasterId id="2147483648" r:id="rId1"/>
   </p:sldMasterIdLst>
   <p:notesMasterIdLst>
-    <p:notesMasterId r:id="rId14"/>
+    <p:notesMasterId r:id="rId18"/>
   </p:notesMasterIdLst>
   <p:sldIdLst>
-    <p:sldId id="267" r:id="rId2"/>
-    <p:sldId id="256" r:id="rId3"/>
+    <p:sldId id="256" r:id="rId2"/>
+    <p:sldId id="267" r:id="rId3"/>
     <p:sldId id="257" r:id="rId4"/>
     <p:sldId id="258" r:id="rId5"/>
     <p:sldId id="259" r:id="rId6"/>
@@ -18,8 +18,12 @@
     <p:sldId id="262" r:id="rId9"/>
     <p:sldId id="263" r:id="rId10"/>
     <p:sldId id="264" r:id="rId11"/>
-    <p:sldId id="266" r:id="rId12"/>
-    <p:sldId id="265" r:id="rId13"/>
+    <p:sldId id="268" r:id="rId12"/>
+    <p:sldId id="269" r:id="rId13"/>
+    <p:sldId id="270" r:id="rId14"/>
+    <p:sldId id="271" r:id="rId15"/>
+    <p:sldId id="266" r:id="rId16"/>
+    <p:sldId id="265" r:id="rId17"/>
   </p:sldIdLst>
   <p:sldSz cx="12192000" cy="6858000"/>
   <p:notesSz cx="6858000" cy="9144000"/>
@@ -118,6 +122,11 @@
       </a:defRPr>
     </a:lvl9pPr>
   </p:defaultTextStyle>
+  <p:extLst>
+    <p:ext uri="{EFAFB233-063F-42B5-8137-9DF3F51BA10A}">
+      <p15:sldGuideLst xmlns:p15="http://schemas.microsoft.com/office/powerpoint/2012/main"/>
+    </p:ext>
+  </p:extLst>
 </p:presentation>
 </file>
 
@@ -203,7 +212,7 @@
           <a:p>
             <a:fld id="{1F074F99-4547-42EE-9FCD-022696AC82A3}" type="datetimeFigureOut">
               <a:rPr lang="ko-KR" altLang="en-US" smtClean="0"/>
-              <a:t>2022-06-19</a:t>
+              <a:t>2022-06-21</a:t>
             </a:fld>
             <a:endParaRPr lang="ko-KR" altLang="en-US"/>
           </a:p>
@@ -893,7 +902,7 @@
           <a:p>
             <a:fld id="{6BBF9638-751B-490D-B9CB-04F5E296FD5C}" type="datetimeFigureOut">
               <a:rPr lang="ko-KR" altLang="en-US" smtClean="0"/>
-              <a:t>2022-06-19</a:t>
+              <a:t>2022-06-21</a:t>
             </a:fld>
             <a:endParaRPr lang="ko-KR" altLang="en-US"/>
           </a:p>
@@ -1091,7 +1100,7 @@
           <a:p>
             <a:fld id="{6BBF9638-751B-490D-B9CB-04F5E296FD5C}" type="datetimeFigureOut">
               <a:rPr lang="ko-KR" altLang="en-US" smtClean="0"/>
-              <a:t>2022-06-19</a:t>
+              <a:t>2022-06-21</a:t>
             </a:fld>
             <a:endParaRPr lang="ko-KR" altLang="en-US"/>
           </a:p>
@@ -1299,7 +1308,7 @@
           <a:p>
             <a:fld id="{6BBF9638-751B-490D-B9CB-04F5E296FD5C}" type="datetimeFigureOut">
               <a:rPr lang="ko-KR" altLang="en-US" smtClean="0"/>
-              <a:t>2022-06-19</a:t>
+              <a:t>2022-06-21</a:t>
             </a:fld>
             <a:endParaRPr lang="ko-KR" altLang="en-US"/>
           </a:p>
@@ -1497,7 +1506,7 @@
           <a:p>
             <a:fld id="{6BBF9638-751B-490D-B9CB-04F5E296FD5C}" type="datetimeFigureOut">
               <a:rPr lang="ko-KR" altLang="en-US" smtClean="0"/>
-              <a:t>2022-06-19</a:t>
+              <a:t>2022-06-21</a:t>
             </a:fld>
             <a:endParaRPr lang="ko-KR" altLang="en-US"/>
           </a:p>
@@ -1772,7 +1781,7 @@
           <a:p>
             <a:fld id="{6BBF9638-751B-490D-B9CB-04F5E296FD5C}" type="datetimeFigureOut">
               <a:rPr lang="ko-KR" altLang="en-US" smtClean="0"/>
-              <a:t>2022-06-19</a:t>
+              <a:t>2022-06-21</a:t>
             </a:fld>
             <a:endParaRPr lang="ko-KR" altLang="en-US"/>
           </a:p>
@@ -2037,7 +2046,7 @@
           <a:p>
             <a:fld id="{6BBF9638-751B-490D-B9CB-04F5E296FD5C}" type="datetimeFigureOut">
               <a:rPr lang="ko-KR" altLang="en-US" smtClean="0"/>
-              <a:t>2022-06-19</a:t>
+              <a:t>2022-06-21</a:t>
             </a:fld>
             <a:endParaRPr lang="ko-KR" altLang="en-US"/>
           </a:p>
@@ -2449,7 +2458,7 @@
           <a:p>
             <a:fld id="{6BBF9638-751B-490D-B9CB-04F5E296FD5C}" type="datetimeFigureOut">
               <a:rPr lang="ko-KR" altLang="en-US" smtClean="0"/>
-              <a:t>2022-06-19</a:t>
+              <a:t>2022-06-21</a:t>
             </a:fld>
             <a:endParaRPr lang="ko-KR" altLang="en-US"/>
           </a:p>
@@ -2590,7 +2599,7 @@
           <a:p>
             <a:fld id="{6BBF9638-751B-490D-B9CB-04F5E296FD5C}" type="datetimeFigureOut">
               <a:rPr lang="ko-KR" altLang="en-US" smtClean="0"/>
-              <a:t>2022-06-19</a:t>
+              <a:t>2022-06-21</a:t>
             </a:fld>
             <a:endParaRPr lang="ko-KR" altLang="en-US"/>
           </a:p>
@@ -2703,7 +2712,7 @@
           <a:p>
             <a:fld id="{6BBF9638-751B-490D-B9CB-04F5E296FD5C}" type="datetimeFigureOut">
               <a:rPr lang="ko-KR" altLang="en-US" smtClean="0"/>
-              <a:t>2022-06-19</a:t>
+              <a:t>2022-06-21</a:t>
             </a:fld>
             <a:endParaRPr lang="ko-KR" altLang="en-US"/>
           </a:p>
@@ -3014,7 +3023,7 @@
           <a:p>
             <a:fld id="{6BBF9638-751B-490D-B9CB-04F5E296FD5C}" type="datetimeFigureOut">
               <a:rPr lang="ko-KR" altLang="en-US" smtClean="0"/>
-              <a:t>2022-06-19</a:t>
+              <a:t>2022-06-21</a:t>
             </a:fld>
             <a:endParaRPr lang="ko-KR" altLang="en-US"/>
           </a:p>
@@ -3302,7 +3311,7 @@
           <a:p>
             <a:fld id="{6BBF9638-751B-490D-B9CB-04F5E296FD5C}" type="datetimeFigureOut">
               <a:rPr lang="ko-KR" altLang="en-US" smtClean="0"/>
-              <a:t>2022-06-19</a:t>
+              <a:t>2022-06-21</a:t>
             </a:fld>
             <a:endParaRPr lang="ko-KR" altLang="en-US"/>
           </a:p>
@@ -3543,7 +3552,7 @@
           <a:p>
             <a:fld id="{6BBF9638-751B-490D-B9CB-04F5E296FD5C}" type="datetimeFigureOut">
               <a:rPr lang="ko-KR" altLang="en-US" smtClean="0"/>
-              <a:t>2022-06-19</a:t>
+              <a:t>2022-06-21</a:t>
             </a:fld>
             <a:endParaRPr lang="ko-KR" altLang="en-US"/>
           </a:p>
@@ -3965,89 +3974,74 @@
           <p:cNvPr id="2" name="제목 1">
             <a:extLst>
               <a:ext uri="{FF2B5EF4-FFF2-40B4-BE49-F238E27FC236}">
-                <a16:creationId xmlns:a16="http://schemas.microsoft.com/office/drawing/2014/main" id="{F9CAC03A-8042-5103-B09B-2712E05E9916}"/>
-              </a:ext>
-            </a:extLst>
-          </p:cNvPr>
-          <p:cNvSpPr>
-            <a:spLocks noGrp="1"/>
-          </p:cNvSpPr>
-          <p:nvPr>
-            <p:ph type="title"/>
-          </p:nvPr>
-        </p:nvSpPr>
-        <p:spPr/>
+                <a16:creationId xmlns:a16="http://schemas.microsoft.com/office/drawing/2014/main" id="{57C54A6A-DD47-85E8-F9CA-63EA6F78E584}"/>
+              </a:ext>
+            </a:extLst>
+          </p:cNvPr>
+          <p:cNvSpPr>
+            <a:spLocks noGrp="1"/>
+          </p:cNvSpPr>
+          <p:nvPr>
+            <p:ph type="ctrTitle"/>
+          </p:nvPr>
+        </p:nvSpPr>
+        <p:spPr>
+          <a:xfrm>
+            <a:off x="1524000" y="1199860"/>
+            <a:ext cx="9144000" cy="1412716"/>
+          </a:xfrm>
+        </p:spPr>
         <p:txBody>
           <a:bodyPr/>
           <a:lstStyle/>
           <a:p>
-            <a:pPr algn="ctr"/>
-            <a:r>
-              <a:rPr lang="en-US" altLang="ko-KR" dirty="0"/>
-              <a:t>ALIAS</a:t>
-            </a:r>
-            <a:r>
-              <a:rPr lang="ko-KR" altLang="en-US" dirty="0"/>
-              <a:t> </a:t>
-            </a:r>
-            <a:r>
-              <a:rPr lang="en-US" altLang="ko-KR" dirty="0"/>
-              <a:t>–</a:t>
-            </a:r>
-            <a:r>
-              <a:rPr lang="ko-KR" altLang="en-US" dirty="0"/>
-              <a:t> </a:t>
-            </a:r>
-            <a:r>
-              <a:rPr lang="en-US" altLang="ko-KR" dirty="0"/>
-              <a:t>image generation</a:t>
-            </a:r>
-            <a:r>
-              <a:rPr lang="ko-KR" altLang="en-US" dirty="0"/>
-              <a:t> </a:t>
-            </a:r>
-          </a:p>
-        </p:txBody>
-      </p:sp>
-      <p:pic>
-        <p:nvPicPr>
-          <p:cNvPr id="5" name="내용 개체 틀 4">
-            <a:extLst>
-              <a:ext uri="{FF2B5EF4-FFF2-40B4-BE49-F238E27FC236}">
-                <a16:creationId xmlns:a16="http://schemas.microsoft.com/office/drawing/2014/main" id="{A1136A8C-E961-E207-028D-8498BED9E147}"/>
-              </a:ext>
-            </a:extLst>
-          </p:cNvPr>
-          <p:cNvPicPr>
-            <a:picLocks noGrp="1" noChangeAspect="1"/>
-          </p:cNvPicPr>
-          <p:nvPr>
-            <p:ph idx="1"/>
-          </p:nvPr>
-        </p:nvPicPr>
-        <p:blipFill>
-          <a:blip r:embed="rId2">
-            <a:extLst>
-              <a:ext uri="{28A0092B-C50C-407E-A947-70E740481C1C}">
-                <a14:useLocalDpi xmlns:a14="http://schemas.microsoft.com/office/drawing/2010/main" val="0"/>
-              </a:ext>
-            </a:extLst>
-          </a:blip>
-          <a:stretch>
-            <a:fillRect/>
-          </a:stretch>
-        </p:blipFill>
-        <p:spPr>
-          <a:xfrm>
-            <a:off x="2371391" y="1805176"/>
-            <a:ext cx="6737098" cy="5052824"/>
-          </a:xfrm>
-        </p:spPr>
-      </p:pic>
+            <a:r>
+              <a:rPr lang="en-US" altLang="ko-KR" b="1" dirty="0"/>
+              <a:t>SESAME</a:t>
+            </a:r>
+            <a:endParaRPr lang="ko-KR" altLang="en-US" b="1" dirty="0"/>
+          </a:p>
+        </p:txBody>
+      </p:sp>
+      <p:sp>
+        <p:nvSpPr>
+          <p:cNvPr id="3" name="부제목 2">
+            <a:extLst>
+              <a:ext uri="{FF2B5EF4-FFF2-40B4-BE49-F238E27FC236}">
+                <a16:creationId xmlns:a16="http://schemas.microsoft.com/office/drawing/2014/main" id="{572D3392-EB30-0FD1-5089-F47100F63953}"/>
+              </a:ext>
+            </a:extLst>
+          </p:cNvPr>
+          <p:cNvSpPr>
+            <a:spLocks noGrp="1"/>
+          </p:cNvSpPr>
+          <p:nvPr>
+            <p:ph type="subTitle" idx="1"/>
+          </p:nvPr>
+        </p:nvSpPr>
+        <p:spPr/>
+        <p:txBody>
+          <a:bodyPr/>
+          <a:lstStyle/>
+          <a:p>
+            <a:r>
+              <a:rPr lang="en-US" altLang="ko-KR" sz="2600" b="1" dirty="0"/>
+              <a:t>Semantic Editing of Scenes</a:t>
+            </a:r>
+          </a:p>
+          <a:p>
+            <a:r>
+              <a:rPr lang="en-US" altLang="ko-KR" sz="2200" dirty="0"/>
+              <a:t>by Adding, Manipulating or Erasing objects</a:t>
+            </a:r>
+            <a:endParaRPr lang="ko-KR" altLang="en-US" sz="2200" dirty="0"/>
+          </a:p>
+        </p:txBody>
+      </p:sp>
     </p:spTree>
     <p:extLst>
       <p:ext uri="{BB962C8B-B14F-4D97-AF65-F5344CB8AC3E}">
-        <p14:creationId xmlns:p14="http://schemas.microsoft.com/office/powerpoint/2010/main" val="2774535992"/>
+        <p14:creationId xmlns:p14="http://schemas.microsoft.com/office/powerpoint/2010/main" val="2496337213"/>
       </p:ext>
     </p:extLst>
   </p:cSld>
@@ -4098,7 +4092,7 @@
         </p:spPr>
         <p:txBody>
           <a:bodyPr>
-            <a:normAutofit fontScale="92500" lnSpcReduction="10000"/>
+            <a:normAutofit/>
           </a:bodyPr>
           <a:lstStyle/>
           <a:p>
@@ -4210,27 +4204,6 @@
               <a:t>양 끝단에</a:t>
             </a:r>
             <a:endParaRPr lang="en-US" altLang="ko-KR" dirty="0"/>
-          </a:p>
-          <a:p>
-            <a:endParaRPr lang="en-US" altLang="ko-KR" dirty="0"/>
-          </a:p>
-          <a:p>
-            <a:r>
-              <a:rPr lang="en-US" altLang="ko-KR" dirty="0"/>
-              <a:t>Instance normalization </a:t>
-            </a:r>
-            <a:r>
-              <a:rPr lang="ko-KR" altLang="en-US" dirty="0"/>
-              <a:t>대신 </a:t>
-            </a:r>
-            <a:r>
-              <a:rPr lang="en-US" altLang="ko-KR" dirty="0"/>
-              <a:t>spectral normalization</a:t>
-            </a:r>
-            <a:r>
-              <a:rPr lang="ko-KR" altLang="en-US" dirty="0"/>
-              <a:t>을 사용하여 학습을 안정화</a:t>
-            </a:r>
           </a:p>
         </p:txBody>
       </p:sp>
@@ -4264,36 +4237,152 @@
           </a:prstGeom>
         </p:spPr>
       </p:pic>
-      <p:pic>
-        <p:nvPicPr>
-          <p:cNvPr id="7" name="그림 6">
-            <a:extLst>
-              <a:ext uri="{FF2B5EF4-FFF2-40B4-BE49-F238E27FC236}">
-                <a16:creationId xmlns:a16="http://schemas.microsoft.com/office/drawing/2014/main" id="{3C0998FC-591A-EFAD-2455-16E540CCCBD3}"/>
-              </a:ext>
-            </a:extLst>
-          </p:cNvPr>
-          <p:cNvPicPr>
-            <a:picLocks noChangeAspect="1"/>
-          </p:cNvPicPr>
+      <p:sp>
+        <p:nvSpPr>
+          <p:cNvPr id="2" name="TextBox 1">
+            <a:extLst>
+              <a:ext uri="{FF2B5EF4-FFF2-40B4-BE49-F238E27FC236}">
+                <a16:creationId xmlns:a16="http://schemas.microsoft.com/office/drawing/2014/main" id="{DC2D8845-DE2E-5446-892F-922C698A062E}"/>
+              </a:ext>
+            </a:extLst>
+          </p:cNvPr>
+          <p:cNvSpPr txBox="1"/>
           <p:nvPr/>
-        </p:nvPicPr>
-        <p:blipFill>
-          <a:blip r:embed="rId3"/>
-          <a:stretch>
-            <a:fillRect/>
-          </a:stretch>
-        </p:blipFill>
+        </p:nvSpPr>
         <p:spPr>
           <a:xfrm>
-            <a:off x="580747" y="5393508"/>
-            <a:ext cx="5190661" cy="909638"/>
+            <a:off x="816745" y="5335480"/>
+            <a:ext cx="4953739" cy="1200329"/>
           </a:xfrm>
           <a:prstGeom prst="rect">
             <a:avLst/>
           </a:prstGeom>
+          <a:noFill/>
         </p:spPr>
-      </p:pic>
+        <p:txBody>
+          <a:bodyPr wrap="square" rtlCol="0">
+            <a:spAutoFit/>
+          </a:bodyPr>
+          <a:lstStyle/>
+          <a:p>
+            <a:r>
+              <a:rPr lang="en-US" altLang="ko-KR" dirty="0"/>
+              <a:t>[17]: Perceptual Losses for Real-Time Style Transfer and Super-Resolution</a:t>
+            </a:r>
+          </a:p>
+          <a:p>
+            <a:endParaRPr lang="en-US" altLang="ko-KR" dirty="0"/>
+          </a:p>
+          <a:p>
+            <a:r>
+              <a:rPr lang="en-US" altLang="ko-KR" dirty="0"/>
+              <a:t>pix2pixhd</a:t>
+            </a:r>
+            <a:r>
+              <a:rPr lang="ko-KR" altLang="en-US" dirty="0"/>
+              <a:t> </a:t>
+            </a:r>
+            <a:r>
+              <a:rPr lang="en-US" altLang="ko-KR" dirty="0"/>
+              <a:t>generator</a:t>
+            </a:r>
+            <a:r>
+              <a:rPr lang="ko-KR" altLang="en-US" dirty="0"/>
+              <a:t>가 참고했던 논문</a:t>
+            </a:r>
+            <a:endParaRPr lang="en-US" altLang="ko-KR" dirty="0"/>
+          </a:p>
+        </p:txBody>
+      </p:sp>
+      <p:sp>
+        <p:nvSpPr>
+          <p:cNvPr id="4" name="직사각형 3">
+            <a:extLst>
+              <a:ext uri="{FF2B5EF4-FFF2-40B4-BE49-F238E27FC236}">
+                <a16:creationId xmlns:a16="http://schemas.microsoft.com/office/drawing/2014/main" id="{FC7F4F7B-CBD3-8DAB-1C0B-3DE60742D820}"/>
+              </a:ext>
+            </a:extLst>
+          </p:cNvPr>
+          <p:cNvSpPr/>
+          <p:nvPr/>
+        </p:nvSpPr>
+        <p:spPr>
+          <a:xfrm>
+            <a:off x="1899821" y="2210540"/>
+            <a:ext cx="2450237" cy="390617"/>
+          </a:xfrm>
+          <a:prstGeom prst="rect">
+            <a:avLst/>
+          </a:prstGeom>
+          <a:noFill/>
+        </p:spPr>
+        <p:style>
+          <a:lnRef idx="2">
+            <a:schemeClr val="accent2"/>
+          </a:lnRef>
+          <a:fillRef idx="1">
+            <a:schemeClr val="lt1"/>
+          </a:fillRef>
+          <a:effectRef idx="0">
+            <a:schemeClr val="accent2"/>
+          </a:effectRef>
+          <a:fontRef idx="minor">
+            <a:schemeClr val="dk1"/>
+          </a:fontRef>
+        </p:style>
+        <p:txBody>
+          <a:bodyPr rtlCol="0" anchor="ctr"/>
+          <a:lstStyle/>
+          <a:p>
+            <a:pPr algn="ctr"/>
+            <a:endParaRPr lang="ko-KR" altLang="en-US"/>
+          </a:p>
+        </p:txBody>
+      </p:sp>
+      <p:sp>
+        <p:nvSpPr>
+          <p:cNvPr id="6" name="TextBox 5">
+            <a:extLst>
+              <a:ext uri="{FF2B5EF4-FFF2-40B4-BE49-F238E27FC236}">
+                <a16:creationId xmlns:a16="http://schemas.microsoft.com/office/drawing/2014/main" id="{646467FB-1B0D-54E6-8CB5-B73A997F79C6}"/>
+              </a:ext>
+            </a:extLst>
+          </p:cNvPr>
+          <p:cNvSpPr txBox="1"/>
+          <p:nvPr/>
+        </p:nvSpPr>
+        <p:spPr>
+          <a:xfrm>
+            <a:off x="27187" y="2251959"/>
+            <a:ext cx="2352583" cy="307777"/>
+          </a:xfrm>
+          <a:prstGeom prst="rect">
+            <a:avLst/>
+          </a:prstGeom>
+          <a:noFill/>
+        </p:spPr>
+        <p:txBody>
+          <a:bodyPr wrap="square" rtlCol="0">
+            <a:spAutoFit/>
+          </a:bodyPr>
+          <a:lstStyle/>
+          <a:p>
+            <a:r>
+              <a:rPr lang="en-US" altLang="ko-KR" sz="1400" dirty="0"/>
+              <a:t>Loss</a:t>
+            </a:r>
+            <a:r>
+              <a:rPr lang="ko-KR" altLang="en-US" sz="1400" dirty="0"/>
+              <a:t>가 어떻게 구해질까</a:t>
+            </a:r>
+            <a:r>
+              <a:rPr lang="en-US" altLang="ko-KR" sz="1400" dirty="0"/>
+              <a:t>?</a:t>
+            </a:r>
+            <a:endParaRPr lang="ko-KR" altLang="en-US" sz="1400" dirty="0"/>
+          </a:p>
+        </p:txBody>
+      </p:sp>
     </p:spTree>
     <p:extLst>
       <p:ext uri="{BB962C8B-B14F-4D97-AF65-F5344CB8AC3E}">
@@ -4324,12 +4413,280 @@
           <a:chExt cx="0" cy="0"/>
         </a:xfrm>
       </p:grpSpPr>
+      <p:sp>
+        <p:nvSpPr>
+          <p:cNvPr id="3" name="내용 개체 틀 2">
+            <a:extLst>
+              <a:ext uri="{FF2B5EF4-FFF2-40B4-BE49-F238E27FC236}">
+                <a16:creationId xmlns:a16="http://schemas.microsoft.com/office/drawing/2014/main" id="{28B814D5-9ABD-0D22-7213-FE7473A0CE6D}"/>
+              </a:ext>
+            </a:extLst>
+          </p:cNvPr>
+          <p:cNvSpPr>
+            <a:spLocks noGrp="1"/>
+          </p:cNvSpPr>
+          <p:nvPr>
+            <p:ph idx="1"/>
+          </p:nvPr>
+        </p:nvSpPr>
+        <p:spPr>
+          <a:xfrm>
+            <a:off x="6764784" y="1825625"/>
+            <a:ext cx="4589016" cy="4351338"/>
+          </a:xfrm>
+        </p:spPr>
+        <p:txBody>
+          <a:bodyPr/>
+          <a:lstStyle/>
+          <a:p>
+            <a:r>
+              <a:rPr lang="en-US" altLang="ko-KR" dirty="0" err="1"/>
+              <a:t>PatchGAN</a:t>
+            </a:r>
+            <a:r>
+              <a:rPr lang="ko-KR" altLang="en-US" dirty="0"/>
+              <a:t> </a:t>
+            </a:r>
+            <a:r>
+              <a:rPr lang="en-US" altLang="ko-KR" dirty="0"/>
+              <a:t>discriminator</a:t>
+            </a:r>
+            <a:r>
+              <a:rPr lang="ko-KR" altLang="en-US" dirty="0"/>
+              <a:t>는 </a:t>
+            </a:r>
+            <a:r>
+              <a:rPr lang="en-US" altLang="ko-KR" dirty="0"/>
+              <a:t>local patch</a:t>
+            </a:r>
+            <a:r>
+              <a:rPr lang="ko-KR" altLang="en-US" dirty="0"/>
+              <a:t>에만 집중하여 </a:t>
+            </a:r>
+            <a:r>
+              <a:rPr lang="en-US" altLang="ko-KR" dirty="0"/>
+              <a:t>detail</a:t>
+            </a:r>
+            <a:r>
+              <a:rPr lang="ko-KR" altLang="en-US" dirty="0"/>
+              <a:t> 향상에 도움을 주었다</a:t>
+            </a:r>
+            <a:r>
+              <a:rPr lang="en-US" altLang="ko-KR" dirty="0"/>
+              <a:t>. + multiscale</a:t>
+            </a:r>
+          </a:p>
+          <a:p>
+            <a:endParaRPr lang="en-US" altLang="ko-KR" dirty="0"/>
+          </a:p>
+          <a:p>
+            <a:r>
+              <a:rPr lang="en-US" altLang="ko-KR" dirty="0"/>
+              <a:t>Instance normalization </a:t>
+            </a:r>
+            <a:r>
+              <a:rPr lang="ko-KR" altLang="en-US" dirty="0"/>
+              <a:t>대신 </a:t>
+            </a:r>
+            <a:r>
+              <a:rPr lang="en-US" altLang="ko-KR" dirty="0"/>
+              <a:t>spectral normalization</a:t>
+            </a:r>
+            <a:r>
+              <a:rPr lang="ko-KR" altLang="en-US"/>
+              <a:t>을 사용하면 학습을 안정화된다고 함</a:t>
+            </a:r>
+            <a:endParaRPr lang="ko-KR" altLang="en-US" dirty="0"/>
+          </a:p>
+          <a:p>
+            <a:endParaRPr lang="ko-KR" altLang="en-US" dirty="0"/>
+          </a:p>
+        </p:txBody>
+      </p:sp>
+      <p:grpSp>
+        <p:nvGrpSpPr>
+          <p:cNvPr id="9" name="그룹 8">
+            <a:extLst>
+              <a:ext uri="{FF2B5EF4-FFF2-40B4-BE49-F238E27FC236}">
+                <a16:creationId xmlns:a16="http://schemas.microsoft.com/office/drawing/2014/main" id="{224CC8F6-FEA1-1574-8E59-E224D6878809}"/>
+              </a:ext>
+            </a:extLst>
+          </p:cNvPr>
+          <p:cNvGrpSpPr/>
+          <p:nvPr/>
+        </p:nvGrpSpPr>
+        <p:grpSpPr>
+          <a:xfrm>
+            <a:off x="243827" y="2345980"/>
+            <a:ext cx="6334527" cy="2471631"/>
+            <a:chOff x="101784" y="810144"/>
+            <a:chExt cx="6334527" cy="2471631"/>
+          </a:xfrm>
+        </p:grpSpPr>
+        <p:pic>
+          <p:nvPicPr>
+            <p:cNvPr id="7" name="그림 6">
+              <a:extLst>
+                <a:ext uri="{FF2B5EF4-FFF2-40B4-BE49-F238E27FC236}">
+                  <a16:creationId xmlns:a16="http://schemas.microsoft.com/office/drawing/2014/main" id="{7D199CD8-B817-C7CA-1DE4-5C80A6A100A7}"/>
+                </a:ext>
+              </a:extLst>
+            </p:cNvPr>
+            <p:cNvPicPr>
+              <a:picLocks noChangeAspect="1"/>
+            </p:cNvPicPr>
+            <p:nvPr/>
+          </p:nvPicPr>
+          <p:blipFill>
+            <a:blip r:embed="rId2"/>
+            <a:stretch>
+              <a:fillRect/>
+            </a:stretch>
+          </p:blipFill>
+          <p:spPr>
+            <a:xfrm>
+              <a:off x="101784" y="1634021"/>
+              <a:ext cx="6334527" cy="1647754"/>
+            </a:xfrm>
+            <a:prstGeom prst="rect">
+              <a:avLst/>
+            </a:prstGeom>
+          </p:spPr>
+        </p:pic>
+        <p:pic>
+          <p:nvPicPr>
+            <p:cNvPr id="8" name="그림 7">
+              <a:extLst>
+                <a:ext uri="{FF2B5EF4-FFF2-40B4-BE49-F238E27FC236}">
+                  <a16:creationId xmlns:a16="http://schemas.microsoft.com/office/drawing/2014/main" id="{1CC6BDDC-D0B0-84AD-23DA-2DB4A24FC7C7}"/>
+                </a:ext>
+              </a:extLst>
+            </p:cNvPr>
+            <p:cNvPicPr>
+              <a:picLocks noChangeAspect="1"/>
+            </p:cNvPicPr>
+            <p:nvPr/>
+          </p:nvPicPr>
+          <p:blipFill>
+            <a:blip r:embed="rId3"/>
+            <a:stretch>
+              <a:fillRect/>
+            </a:stretch>
+          </p:blipFill>
+          <p:spPr>
+            <a:xfrm>
+              <a:off x="101784" y="810144"/>
+              <a:ext cx="6334527" cy="958361"/>
+            </a:xfrm>
+            <a:prstGeom prst="rect">
+              <a:avLst/>
+            </a:prstGeom>
+          </p:spPr>
+        </p:pic>
+      </p:grpSp>
+    </p:spTree>
+    <p:extLst>
+      <p:ext uri="{BB962C8B-B14F-4D97-AF65-F5344CB8AC3E}">
+        <p14:creationId xmlns:p14="http://schemas.microsoft.com/office/powerpoint/2010/main" val="1360542525"/>
+      </p:ext>
+    </p:extLst>
+  </p:cSld>
+  <p:clrMapOvr>
+    <a:masterClrMapping/>
+  </p:clrMapOvr>
+</p:sld>
+</file>
+
+<file path=ppt/slides/slide12.xml><?xml version="1.0" encoding="utf-8"?>
+<p:sld xmlns:a="http://schemas.openxmlformats.org/drawingml/2006/main" xmlns:r="http://schemas.openxmlformats.org/officeDocument/2006/relationships" xmlns:p="http://schemas.openxmlformats.org/presentationml/2006/main">
+  <p:cSld>
+    <p:spTree>
+      <p:nvGrpSpPr>
+        <p:cNvPr id="1" name=""/>
+        <p:cNvGrpSpPr/>
+        <p:nvPr/>
+      </p:nvGrpSpPr>
+      <p:grpSpPr>
+        <a:xfrm>
+          <a:off x="0" y="0"/>
+          <a:ext cx="0" cy="0"/>
+          <a:chOff x="0" y="0"/>
+          <a:chExt cx="0" cy="0"/>
+        </a:xfrm>
+      </p:grpSpPr>
+      <p:sp>
+        <p:nvSpPr>
+          <p:cNvPr id="3" name="내용 개체 틀 2">
+            <a:extLst>
+              <a:ext uri="{FF2B5EF4-FFF2-40B4-BE49-F238E27FC236}">
+                <a16:creationId xmlns:a16="http://schemas.microsoft.com/office/drawing/2014/main" id="{E41A3507-BE02-D1C0-3DBC-3E657D5CC4E1}"/>
+              </a:ext>
+            </a:extLst>
+          </p:cNvPr>
+          <p:cNvSpPr>
+            <a:spLocks noGrp="1"/>
+          </p:cNvSpPr>
+          <p:nvPr>
+            <p:ph idx="1"/>
+          </p:nvPr>
+        </p:nvSpPr>
+        <p:spPr>
+          <a:xfrm>
+            <a:off x="7741329" y="1233996"/>
+            <a:ext cx="3604334" cy="4942967"/>
+          </a:xfrm>
+        </p:spPr>
+        <p:txBody>
+          <a:bodyPr/>
+          <a:lstStyle/>
+          <a:p>
+            <a:r>
+              <a:rPr lang="en-US" altLang="ko-KR" dirty="0"/>
+              <a:t>Patch </a:t>
+            </a:r>
+            <a:r>
+              <a:rPr lang="ko-KR" altLang="en-US" dirty="0"/>
+              <a:t>기반이 아닌 </a:t>
+            </a:r>
+            <a:r>
+              <a:rPr lang="en-US" altLang="ko-KR" dirty="0"/>
+              <a:t>discriminator</a:t>
+            </a:r>
+            <a:r>
+              <a:rPr lang="ko-KR" altLang="en-US" dirty="0"/>
+              <a:t>이므로 </a:t>
+            </a:r>
+            <a:r>
+              <a:rPr lang="en-US" altLang="ko-KR" dirty="0"/>
+              <a:t>scalar </a:t>
+            </a:r>
+            <a:r>
+              <a:rPr lang="ko-KR" altLang="en-US" dirty="0"/>
+              <a:t>값을 반환</a:t>
+            </a:r>
+            <a:endParaRPr lang="en-US" altLang="ko-KR" dirty="0"/>
+          </a:p>
+          <a:p>
+            <a:endParaRPr lang="en-US" altLang="ko-KR" dirty="0"/>
+          </a:p>
+          <a:p>
+            <a:r>
+              <a:rPr lang="ko-KR" altLang="en-US" dirty="0"/>
+              <a:t>우측으로 갈 수록 성능 향상</a:t>
+            </a:r>
+            <a:endParaRPr lang="en-US" altLang="ko-KR" dirty="0"/>
+          </a:p>
+          <a:p>
+            <a:endParaRPr lang="en-US" altLang="ko-KR" dirty="0"/>
+          </a:p>
+        </p:txBody>
+      </p:sp>
       <p:pic>
         <p:nvPicPr>
           <p:cNvPr id="5" name="그림 4">
             <a:extLst>
               <a:ext uri="{FF2B5EF4-FFF2-40B4-BE49-F238E27FC236}">
-                <a16:creationId xmlns:a16="http://schemas.microsoft.com/office/drawing/2014/main" id="{456E1D56-7429-DF41-7B26-512D31236E33}"/>
+                <a16:creationId xmlns:a16="http://schemas.microsoft.com/office/drawing/2014/main" id="{9906764D-56BC-4B6D-9E56-850F7FC60B62}"/>
               </a:ext>
             </a:extLst>
           </p:cNvPr>
@@ -4346,7 +4703,597 @@
         </p:blipFill>
         <p:spPr>
           <a:xfrm>
-            <a:off x="1536927" y="1348657"/>
+            <a:off x="674069" y="692783"/>
+            <a:ext cx="6516844" cy="2265684"/>
+          </a:xfrm>
+          <a:prstGeom prst="rect">
+            <a:avLst/>
+          </a:prstGeom>
+        </p:spPr>
+      </p:pic>
+      <p:pic>
+        <p:nvPicPr>
+          <p:cNvPr id="7" name="그림 6">
+            <a:extLst>
+              <a:ext uri="{FF2B5EF4-FFF2-40B4-BE49-F238E27FC236}">
+                <a16:creationId xmlns:a16="http://schemas.microsoft.com/office/drawing/2014/main" id="{27A198D6-D0EE-0256-78A1-A7B9F5D23969}"/>
+              </a:ext>
+            </a:extLst>
+          </p:cNvPr>
+          <p:cNvPicPr>
+            <a:picLocks noChangeAspect="1"/>
+          </p:cNvPicPr>
+          <p:nvPr/>
+        </p:nvPicPr>
+        <p:blipFill>
+          <a:blip r:embed="rId3"/>
+          <a:stretch>
+            <a:fillRect/>
+          </a:stretch>
+        </p:blipFill>
+        <p:spPr>
+          <a:xfrm>
+            <a:off x="665191" y="2911193"/>
+            <a:ext cx="6516844" cy="3134595"/>
+          </a:xfrm>
+          <a:prstGeom prst="rect">
+            <a:avLst/>
+          </a:prstGeom>
+        </p:spPr>
+      </p:pic>
+      <p:sp>
+        <p:nvSpPr>
+          <p:cNvPr id="8" name="TextBox 7">
+            <a:extLst>
+              <a:ext uri="{FF2B5EF4-FFF2-40B4-BE49-F238E27FC236}">
+                <a16:creationId xmlns:a16="http://schemas.microsoft.com/office/drawing/2014/main" id="{DB988D77-DBBA-E31D-8498-90E16F8D6AC9}"/>
+              </a:ext>
+            </a:extLst>
+          </p:cNvPr>
+          <p:cNvSpPr txBox="1"/>
+          <p:nvPr/>
+        </p:nvSpPr>
+        <p:spPr>
+          <a:xfrm>
+            <a:off x="1109709" y="6045788"/>
+            <a:ext cx="674703" cy="369332"/>
+          </a:xfrm>
+          <a:prstGeom prst="rect">
+            <a:avLst/>
+          </a:prstGeom>
+          <a:noFill/>
+        </p:spPr>
+        <p:txBody>
+          <a:bodyPr wrap="square" rtlCol="0">
+            <a:spAutoFit/>
+          </a:bodyPr>
+          <a:lstStyle/>
+          <a:p>
+            <a:r>
+              <a:rPr lang="en-US" altLang="ko-KR" dirty="0"/>
+              <a:t>[29]</a:t>
+            </a:r>
+            <a:endParaRPr lang="ko-KR" altLang="en-US" dirty="0"/>
+          </a:p>
+        </p:txBody>
+      </p:sp>
+      <p:sp>
+        <p:nvSpPr>
+          <p:cNvPr id="9" name="TextBox 8">
+            <a:extLst>
+              <a:ext uri="{FF2B5EF4-FFF2-40B4-BE49-F238E27FC236}">
+                <a16:creationId xmlns:a16="http://schemas.microsoft.com/office/drawing/2014/main" id="{8D88B98D-B710-1561-6875-6584D69214A0}"/>
+              </a:ext>
+            </a:extLst>
+          </p:cNvPr>
+          <p:cNvSpPr txBox="1"/>
+          <p:nvPr/>
+        </p:nvSpPr>
+        <p:spPr>
+          <a:xfrm>
+            <a:off x="2521258" y="6045788"/>
+            <a:ext cx="674703" cy="369332"/>
+          </a:xfrm>
+          <a:prstGeom prst="rect">
+            <a:avLst/>
+          </a:prstGeom>
+          <a:noFill/>
+        </p:spPr>
+        <p:txBody>
+          <a:bodyPr wrap="square" rtlCol="0">
+            <a:spAutoFit/>
+          </a:bodyPr>
+          <a:lstStyle/>
+          <a:p>
+            <a:r>
+              <a:rPr lang="en-US" altLang="ko-KR" dirty="0"/>
+              <a:t>[39]</a:t>
+            </a:r>
+            <a:endParaRPr lang="ko-KR" altLang="en-US" dirty="0"/>
+          </a:p>
+        </p:txBody>
+      </p:sp>
+      <p:sp>
+        <p:nvSpPr>
+          <p:cNvPr id="10" name="TextBox 9">
+            <a:extLst>
+              <a:ext uri="{FF2B5EF4-FFF2-40B4-BE49-F238E27FC236}">
+                <a16:creationId xmlns:a16="http://schemas.microsoft.com/office/drawing/2014/main" id="{B30826BC-5392-BC11-0DDB-D013EF2E3461}"/>
+              </a:ext>
+            </a:extLst>
+          </p:cNvPr>
+          <p:cNvSpPr txBox="1"/>
+          <p:nvPr/>
+        </p:nvSpPr>
+        <p:spPr>
+          <a:xfrm>
+            <a:off x="5663954" y="6045788"/>
+            <a:ext cx="674703" cy="369332"/>
+          </a:xfrm>
+          <a:prstGeom prst="rect">
+            <a:avLst/>
+          </a:prstGeom>
+          <a:noFill/>
+        </p:spPr>
+        <p:txBody>
+          <a:bodyPr wrap="square" rtlCol="0">
+            <a:spAutoFit/>
+          </a:bodyPr>
+          <a:lstStyle/>
+          <a:p>
+            <a:r>
+              <a:rPr lang="en-US" altLang="ko-KR" dirty="0"/>
+              <a:t>[31]</a:t>
+            </a:r>
+            <a:endParaRPr lang="ko-KR" altLang="en-US" dirty="0"/>
+          </a:p>
+        </p:txBody>
+      </p:sp>
+    </p:spTree>
+    <p:extLst>
+      <p:ext uri="{BB962C8B-B14F-4D97-AF65-F5344CB8AC3E}">
+        <p14:creationId xmlns:p14="http://schemas.microsoft.com/office/powerpoint/2010/main" val="511763645"/>
+      </p:ext>
+    </p:extLst>
+  </p:cSld>
+  <p:clrMapOvr>
+    <a:masterClrMapping/>
+  </p:clrMapOvr>
+</p:sld>
+</file>
+
+<file path=ppt/slides/slide13.xml><?xml version="1.0" encoding="utf-8"?>
+<p:sld xmlns:a="http://schemas.openxmlformats.org/drawingml/2006/main" xmlns:r="http://schemas.openxmlformats.org/officeDocument/2006/relationships" xmlns:p="http://schemas.openxmlformats.org/presentationml/2006/main">
+  <p:cSld>
+    <p:spTree>
+      <p:nvGrpSpPr>
+        <p:cNvPr id="1" name=""/>
+        <p:cNvGrpSpPr/>
+        <p:nvPr/>
+      </p:nvGrpSpPr>
+      <p:grpSpPr>
+        <a:xfrm>
+          <a:off x="0" y="0"/>
+          <a:ext cx="0" cy="0"/>
+          <a:chOff x="0" y="0"/>
+          <a:chExt cx="0" cy="0"/>
+        </a:xfrm>
+      </p:grpSpPr>
+      <p:sp>
+        <p:nvSpPr>
+          <p:cNvPr id="3" name="내용 개체 틀 2">
+            <a:extLst>
+              <a:ext uri="{FF2B5EF4-FFF2-40B4-BE49-F238E27FC236}">
+                <a16:creationId xmlns:a16="http://schemas.microsoft.com/office/drawing/2014/main" id="{B02ED931-2AEE-5645-53E2-E801545C9359}"/>
+              </a:ext>
+            </a:extLst>
+          </p:cNvPr>
+          <p:cNvSpPr>
+            <a:spLocks noGrp="1"/>
+          </p:cNvSpPr>
+          <p:nvPr>
+            <p:ph idx="1"/>
+          </p:nvPr>
+        </p:nvSpPr>
+        <p:spPr>
+          <a:xfrm>
+            <a:off x="838200" y="3728621"/>
+            <a:ext cx="10515600" cy="2448342"/>
+          </a:xfrm>
+        </p:spPr>
+        <p:txBody>
+          <a:bodyPr>
+            <a:normAutofit lnSpcReduction="10000"/>
+          </a:bodyPr>
+          <a:lstStyle/>
+          <a:p>
+            <a:r>
+              <a:rPr lang="ko-KR" altLang="en-US" dirty="0"/>
+              <a:t>앞에서 </a:t>
+            </a:r>
+            <a:r>
+              <a:rPr lang="en-US" altLang="ko-KR" dirty="0"/>
+              <a:t>patch </a:t>
+            </a:r>
+            <a:r>
+              <a:rPr lang="ko-KR" altLang="en-US" dirty="0"/>
+              <a:t>기반이 아닌 </a:t>
+            </a:r>
+            <a:r>
+              <a:rPr lang="en-US" altLang="ko-KR" dirty="0"/>
+              <a:t>discriminator</a:t>
+            </a:r>
+            <a:r>
+              <a:rPr lang="ko-KR" altLang="en-US" dirty="0"/>
+              <a:t>에서 단순히 </a:t>
+            </a:r>
+            <a:r>
+              <a:rPr lang="en-US" altLang="ko-KR" dirty="0" err="1"/>
+              <a:t>rgb</a:t>
+            </a:r>
+            <a:r>
+              <a:rPr lang="ko-KR" altLang="en-US" dirty="0"/>
+              <a:t>와 </a:t>
+            </a:r>
+            <a:r>
+              <a:rPr lang="en-US" altLang="ko-KR" dirty="0"/>
+              <a:t>semantic label</a:t>
+            </a:r>
+            <a:r>
+              <a:rPr lang="ko-KR" altLang="en-US" dirty="0"/>
+              <a:t>을 </a:t>
+            </a:r>
+            <a:r>
+              <a:rPr lang="en-US" altLang="ko-KR" dirty="0"/>
+              <a:t>concatenate</a:t>
+            </a:r>
+            <a:r>
+              <a:rPr lang="ko-KR" altLang="en-US" dirty="0"/>
+              <a:t>하지 않는 것이 성능 향상이 있었다는 것을 확인</a:t>
+            </a:r>
+            <a:endParaRPr lang="en-US" altLang="ko-KR" dirty="0"/>
+          </a:p>
+          <a:p>
+            <a:endParaRPr lang="en-US" altLang="ko-KR" dirty="0"/>
+          </a:p>
+          <a:p>
+            <a:r>
+              <a:rPr lang="ko-KR" altLang="en-US" dirty="0"/>
+              <a:t>단순히 입력단에서 </a:t>
+            </a:r>
+            <a:r>
+              <a:rPr lang="en-US" altLang="ko-KR" dirty="0"/>
+              <a:t>concatenate</a:t>
+            </a:r>
+            <a:r>
+              <a:rPr lang="ko-KR" altLang="en-US" dirty="0"/>
+              <a:t>하는 </a:t>
+            </a:r>
+            <a:r>
+              <a:rPr lang="en-US" altLang="ko-KR" dirty="0"/>
+              <a:t>Patch GAN discriminator</a:t>
+            </a:r>
+            <a:r>
+              <a:rPr lang="ko-KR" altLang="en-US" dirty="0"/>
+              <a:t>를 수정</a:t>
+            </a:r>
+            <a:r>
+              <a:rPr lang="en-US" altLang="ko-KR" dirty="0"/>
+              <a:t>.</a:t>
+            </a:r>
+            <a:endParaRPr lang="ko-KR" altLang="en-US" dirty="0"/>
+          </a:p>
+        </p:txBody>
+      </p:sp>
+      <p:grpSp>
+        <p:nvGrpSpPr>
+          <p:cNvPr id="8" name="그룹 7">
+            <a:extLst>
+              <a:ext uri="{FF2B5EF4-FFF2-40B4-BE49-F238E27FC236}">
+                <a16:creationId xmlns:a16="http://schemas.microsoft.com/office/drawing/2014/main" id="{02E2B1FF-FC1A-CE22-A1FE-85E6CB36349F}"/>
+              </a:ext>
+            </a:extLst>
+          </p:cNvPr>
+          <p:cNvGrpSpPr/>
+          <p:nvPr/>
+        </p:nvGrpSpPr>
+        <p:grpSpPr>
+          <a:xfrm>
+            <a:off x="1506624" y="1148234"/>
+            <a:ext cx="8021169" cy="2280766"/>
+            <a:chOff x="281506" y="992071"/>
+            <a:chExt cx="8021169" cy="2280766"/>
+          </a:xfrm>
+        </p:grpSpPr>
+        <p:pic>
+          <p:nvPicPr>
+            <p:cNvPr id="5" name="그림 4">
+              <a:extLst>
+                <a:ext uri="{FF2B5EF4-FFF2-40B4-BE49-F238E27FC236}">
+                  <a16:creationId xmlns:a16="http://schemas.microsoft.com/office/drawing/2014/main" id="{318B7095-9961-28E5-AE8D-73943EE5E8F9}"/>
+                </a:ext>
+              </a:extLst>
+            </p:cNvPr>
+            <p:cNvPicPr>
+              <a:picLocks noChangeAspect="1"/>
+            </p:cNvPicPr>
+            <p:nvPr/>
+          </p:nvPicPr>
+          <p:blipFill>
+            <a:blip r:embed="rId2"/>
+            <a:stretch>
+              <a:fillRect/>
+            </a:stretch>
+          </p:blipFill>
+          <p:spPr>
+            <a:xfrm>
+              <a:off x="281506" y="992071"/>
+              <a:ext cx="7811590" cy="1667108"/>
+            </a:xfrm>
+            <a:prstGeom prst="rect">
+              <a:avLst/>
+            </a:prstGeom>
+          </p:spPr>
+        </p:pic>
+        <p:pic>
+          <p:nvPicPr>
+            <p:cNvPr id="7" name="그림 6">
+              <a:extLst>
+                <a:ext uri="{FF2B5EF4-FFF2-40B4-BE49-F238E27FC236}">
+                  <a16:creationId xmlns:a16="http://schemas.microsoft.com/office/drawing/2014/main" id="{31174F28-28F8-A0B7-8E5B-D746BB0497D7}"/>
+                </a:ext>
+              </a:extLst>
+            </p:cNvPr>
+            <p:cNvPicPr>
+              <a:picLocks noChangeAspect="1"/>
+            </p:cNvPicPr>
+            <p:nvPr/>
+          </p:nvPicPr>
+          <p:blipFill>
+            <a:blip r:embed="rId3"/>
+            <a:stretch>
+              <a:fillRect/>
+            </a:stretch>
+          </p:blipFill>
+          <p:spPr>
+            <a:xfrm>
+              <a:off x="281506" y="2634573"/>
+              <a:ext cx="8021169" cy="638264"/>
+            </a:xfrm>
+            <a:prstGeom prst="rect">
+              <a:avLst/>
+            </a:prstGeom>
+          </p:spPr>
+        </p:pic>
+      </p:grpSp>
+    </p:spTree>
+    <p:extLst>
+      <p:ext uri="{BB962C8B-B14F-4D97-AF65-F5344CB8AC3E}">
+        <p14:creationId xmlns:p14="http://schemas.microsoft.com/office/powerpoint/2010/main" val="777850606"/>
+      </p:ext>
+    </p:extLst>
+  </p:cSld>
+  <p:clrMapOvr>
+    <a:masterClrMapping/>
+  </p:clrMapOvr>
+</p:sld>
+</file>
+
+<file path=ppt/slides/slide14.xml><?xml version="1.0" encoding="utf-8"?>
+<p:sld xmlns:a="http://schemas.openxmlformats.org/drawingml/2006/main" xmlns:r="http://schemas.openxmlformats.org/officeDocument/2006/relationships" xmlns:p="http://schemas.openxmlformats.org/presentationml/2006/main">
+  <p:cSld>
+    <p:spTree>
+      <p:nvGrpSpPr>
+        <p:cNvPr id="1" name=""/>
+        <p:cNvGrpSpPr/>
+        <p:nvPr/>
+      </p:nvGrpSpPr>
+      <p:grpSpPr>
+        <a:xfrm>
+          <a:off x="0" y="0"/>
+          <a:ext cx="0" cy="0"/>
+          <a:chOff x="0" y="0"/>
+          <a:chExt cx="0" cy="0"/>
+        </a:xfrm>
+      </p:grpSpPr>
+      <p:sp>
+        <p:nvSpPr>
+          <p:cNvPr id="3" name="내용 개체 틀 2">
+            <a:extLst>
+              <a:ext uri="{FF2B5EF4-FFF2-40B4-BE49-F238E27FC236}">
+                <a16:creationId xmlns:a16="http://schemas.microsoft.com/office/drawing/2014/main" id="{63515ADD-5ED5-5474-68A0-3BBF8BF860FA}"/>
+              </a:ext>
+            </a:extLst>
+          </p:cNvPr>
+          <p:cNvSpPr>
+            <a:spLocks noGrp="1"/>
+          </p:cNvSpPr>
+          <p:nvPr>
+            <p:ph idx="1"/>
+          </p:nvPr>
+        </p:nvSpPr>
+        <p:spPr>
+          <a:xfrm>
+            <a:off x="6303146" y="1154097"/>
+            <a:ext cx="5050654" cy="5022866"/>
+          </a:xfrm>
+        </p:spPr>
+        <p:txBody>
+          <a:bodyPr/>
+          <a:lstStyle/>
+          <a:p>
+            <a:r>
+              <a:rPr lang="ko-KR" altLang="en-US" dirty="0"/>
+              <a:t>독립적인 </a:t>
+            </a:r>
+            <a:r>
+              <a:rPr lang="en-US" altLang="ko-KR" dirty="0"/>
+              <a:t>RGB stream</a:t>
+            </a:r>
+            <a:r>
+              <a:rPr lang="ko-KR" altLang="en-US" dirty="0"/>
+              <a:t>과 </a:t>
+            </a:r>
+            <a:r>
+              <a:rPr lang="en-US" altLang="ko-KR" dirty="0"/>
+              <a:t>Semantic label stream</a:t>
+            </a:r>
+            <a:r>
+              <a:rPr lang="ko-KR" altLang="en-US" dirty="0"/>
+              <a:t>으로 나뉨</a:t>
+            </a:r>
+            <a:r>
+              <a:rPr lang="en-US" altLang="ko-KR" dirty="0"/>
+              <a:t>.</a:t>
+            </a:r>
+          </a:p>
+          <a:p>
+            <a:endParaRPr lang="en-US" altLang="ko-KR" dirty="0"/>
+          </a:p>
+          <a:p>
+            <a:r>
+              <a:rPr lang="en-US" altLang="ko-KR" dirty="0"/>
+              <a:t>Semantic feature</a:t>
+            </a:r>
+            <a:r>
+              <a:rPr lang="ko-KR" altLang="en-US" dirty="0"/>
+              <a:t>를 </a:t>
+            </a:r>
+            <a:r>
+              <a:rPr lang="en-US" altLang="ko-KR" dirty="0"/>
+              <a:t>RGB feature</a:t>
+            </a:r>
+            <a:r>
+              <a:rPr lang="ko-KR" altLang="en-US" dirty="0"/>
+              <a:t>에 적용</a:t>
+            </a:r>
+            <a:r>
+              <a:rPr lang="en-US" altLang="ko-KR" dirty="0"/>
+              <a:t>(scale)</a:t>
+            </a:r>
+            <a:r>
+              <a:rPr lang="ko-KR" altLang="en-US" dirty="0"/>
+              <a:t>하기 전에 </a:t>
+            </a:r>
+            <a:r>
+              <a:rPr lang="en-US" altLang="ko-KR" dirty="0"/>
+              <a:t>Sum Global Pooling</a:t>
+            </a:r>
+            <a:r>
+              <a:rPr lang="ko-KR" altLang="en-US" dirty="0"/>
+              <a:t>을 함</a:t>
+            </a:r>
+            <a:r>
+              <a:rPr lang="en-US" altLang="ko-KR" dirty="0"/>
+              <a:t>.</a:t>
+            </a:r>
+          </a:p>
+          <a:p>
+            <a:endParaRPr lang="en-US" altLang="ko-KR" dirty="0"/>
+          </a:p>
+          <a:p>
+            <a:r>
+              <a:rPr lang="en-US" altLang="ko-KR" dirty="0"/>
+              <a:t>Fake/true</a:t>
+            </a:r>
+            <a:r>
+              <a:rPr lang="ko-KR" altLang="en-US" dirty="0"/>
+              <a:t>의 </a:t>
+            </a:r>
+            <a:r>
+              <a:rPr lang="en-US" altLang="ko-KR" dirty="0"/>
+              <a:t>semantic label stream(condition) </a:t>
+            </a:r>
+            <a:r>
+              <a:rPr lang="ko-KR" altLang="en-US" dirty="0"/>
+              <a:t>입력은 동일</a:t>
+            </a:r>
+          </a:p>
+        </p:txBody>
+      </p:sp>
+      <p:pic>
+        <p:nvPicPr>
+          <p:cNvPr id="5" name="그림 4">
+            <a:extLst>
+              <a:ext uri="{FF2B5EF4-FFF2-40B4-BE49-F238E27FC236}">
+                <a16:creationId xmlns:a16="http://schemas.microsoft.com/office/drawing/2014/main" id="{3C092EC4-7AC6-DD9D-47BF-51AADFE110C5}"/>
+              </a:ext>
+            </a:extLst>
+          </p:cNvPr>
+          <p:cNvPicPr>
+            <a:picLocks noChangeAspect="1"/>
+          </p:cNvPicPr>
+          <p:nvPr/>
+        </p:nvPicPr>
+        <p:blipFill>
+          <a:blip r:embed="rId2"/>
+          <a:stretch>
+            <a:fillRect/>
+          </a:stretch>
+        </p:blipFill>
+        <p:spPr>
+          <a:xfrm>
+            <a:off x="273925" y="1468579"/>
+            <a:ext cx="5704635" cy="3698225"/>
+          </a:xfrm>
+          <a:prstGeom prst="rect">
+            <a:avLst/>
+          </a:prstGeom>
+        </p:spPr>
+      </p:pic>
+    </p:spTree>
+    <p:extLst>
+      <p:ext uri="{BB962C8B-B14F-4D97-AF65-F5344CB8AC3E}">
+        <p14:creationId xmlns:p14="http://schemas.microsoft.com/office/powerpoint/2010/main" val="92230023"/>
+      </p:ext>
+    </p:extLst>
+  </p:cSld>
+  <p:clrMapOvr>
+    <a:masterClrMapping/>
+  </p:clrMapOvr>
+</p:sld>
+</file>
+
+<file path=ppt/slides/slide15.xml><?xml version="1.0" encoding="utf-8"?>
+<p:sld xmlns:a="http://schemas.openxmlformats.org/drawingml/2006/main" xmlns:r="http://schemas.openxmlformats.org/officeDocument/2006/relationships" xmlns:p="http://schemas.openxmlformats.org/presentationml/2006/main">
+  <p:cSld>
+    <p:spTree>
+      <p:nvGrpSpPr>
+        <p:cNvPr id="1" name=""/>
+        <p:cNvGrpSpPr/>
+        <p:nvPr/>
+      </p:nvGrpSpPr>
+      <p:grpSpPr>
+        <a:xfrm>
+          <a:off x="0" y="0"/>
+          <a:ext cx="0" cy="0"/>
+          <a:chOff x="0" y="0"/>
+          <a:chExt cx="0" cy="0"/>
+        </a:xfrm>
+      </p:grpSpPr>
+      <p:pic>
+        <p:nvPicPr>
+          <p:cNvPr id="5" name="그림 4">
+            <a:extLst>
+              <a:ext uri="{FF2B5EF4-FFF2-40B4-BE49-F238E27FC236}">
+                <a16:creationId xmlns:a16="http://schemas.microsoft.com/office/drawing/2014/main" id="{456E1D56-7429-DF41-7B26-512D31236E33}"/>
+              </a:ext>
+            </a:extLst>
+          </p:cNvPr>
+          <p:cNvPicPr>
+            <a:picLocks noChangeAspect="1"/>
+          </p:cNvPicPr>
+          <p:nvPr/>
+        </p:nvPicPr>
+        <p:blipFill>
+          <a:blip r:embed="rId2"/>
+          <a:stretch>
+            <a:fillRect/>
+          </a:stretch>
+        </p:blipFill>
+        <p:spPr>
+          <a:xfrm>
+            <a:off x="2184997" y="363235"/>
             <a:ext cx="7573432" cy="5144218"/>
           </a:xfrm>
           <a:prstGeom prst="rect">
@@ -4354,6 +5301,99 @@
           </a:prstGeom>
         </p:spPr>
       </p:pic>
+      <p:sp>
+        <p:nvSpPr>
+          <p:cNvPr id="2" name="TextBox 1">
+            <a:extLst>
+              <a:ext uri="{FF2B5EF4-FFF2-40B4-BE49-F238E27FC236}">
+                <a16:creationId xmlns:a16="http://schemas.microsoft.com/office/drawing/2014/main" id="{33292406-DEFF-21E3-9959-A89BDD29F2A9}"/>
+              </a:ext>
+            </a:extLst>
+          </p:cNvPr>
+          <p:cNvSpPr txBox="1"/>
+          <p:nvPr/>
+        </p:nvSpPr>
+        <p:spPr>
+          <a:xfrm>
+            <a:off x="1864311" y="5797118"/>
+            <a:ext cx="8060924" cy="1200329"/>
+          </a:xfrm>
+          <a:prstGeom prst="rect">
+            <a:avLst/>
+          </a:prstGeom>
+          <a:noFill/>
+        </p:spPr>
+        <p:txBody>
+          <a:bodyPr wrap="square" rtlCol="0">
+            <a:spAutoFit/>
+          </a:bodyPr>
+          <a:lstStyle/>
+          <a:p>
+            <a:r>
+              <a:rPr lang="en-US" altLang="ko-KR" dirty="0"/>
+              <a:t>Edit </a:t>
+            </a:r>
+            <a:r>
+              <a:rPr lang="ko-KR" altLang="en-US" dirty="0"/>
+              <a:t>하지 않는 부분 즉 </a:t>
+            </a:r>
+            <a:r>
+              <a:rPr lang="en-US" altLang="ko-KR" dirty="0"/>
+              <a:t>fake/true</a:t>
+            </a:r>
+            <a:r>
+              <a:rPr lang="ko-KR" altLang="en-US" dirty="0"/>
+              <a:t>의 공통분모에 해당 하는 </a:t>
+            </a:r>
+            <a:r>
+              <a:rPr lang="en-US" altLang="ko-KR" dirty="0"/>
+              <a:t>patch </a:t>
+            </a:r>
+            <a:r>
+              <a:rPr lang="ko-KR" altLang="en-US" dirty="0" err="1"/>
+              <a:t>기댓값은</a:t>
+            </a:r>
+            <a:r>
+              <a:rPr lang="ko-KR" altLang="en-US" dirty="0"/>
+              <a:t> </a:t>
+            </a:r>
+            <a:r>
+              <a:rPr lang="en-US" altLang="ko-KR" dirty="0"/>
+              <a:t>receptive field</a:t>
+            </a:r>
+            <a:r>
+              <a:rPr lang="ko-KR" altLang="en-US" dirty="0"/>
+              <a:t>가 모두 </a:t>
+            </a:r>
+            <a:r>
+              <a:rPr lang="en-US" altLang="ko-KR" dirty="0"/>
+              <a:t>edit</a:t>
+            </a:r>
+            <a:r>
+              <a:rPr lang="ko-KR" altLang="en-US" dirty="0"/>
+              <a:t>부분이 아니면 </a:t>
+            </a:r>
+            <a:r>
+              <a:rPr lang="en-US" altLang="ko-KR" dirty="0"/>
+              <a:t>1</a:t>
+            </a:r>
+            <a:r>
+              <a:rPr lang="ko-KR" altLang="en-US" dirty="0"/>
+              <a:t>이어야 하지 않나</a:t>
+            </a:r>
+            <a:r>
+              <a:rPr lang="en-US" altLang="ko-KR" dirty="0"/>
+              <a:t>?</a:t>
+            </a:r>
+          </a:p>
+          <a:p>
+            <a:endParaRPr lang="en-US" altLang="ko-KR" dirty="0"/>
+          </a:p>
+          <a:p>
+            <a:endParaRPr lang="ko-KR" altLang="en-US" dirty="0"/>
+          </a:p>
+        </p:txBody>
+      </p:sp>
     </p:spTree>
     <p:extLst>
       <p:ext uri="{BB962C8B-B14F-4D97-AF65-F5344CB8AC3E}">
@@ -4367,7 +5407,7 @@
 </p:sld>
 </file>
 
-<file path=ppt/slides/slide12.xml><?xml version="1.0" encoding="utf-8"?>
+<file path=ppt/slides/slide16.xml><?xml version="1.0" encoding="utf-8"?>
 <p:sld xmlns:a="http://schemas.openxmlformats.org/drawingml/2006/main" xmlns:r="http://schemas.openxmlformats.org/officeDocument/2006/relationships" xmlns:p="http://schemas.openxmlformats.org/presentationml/2006/main">
   <p:cSld>
     <p:spTree>
@@ -4448,74 +5488,78 @@
           <p:cNvPr id="2" name="제목 1">
             <a:extLst>
               <a:ext uri="{FF2B5EF4-FFF2-40B4-BE49-F238E27FC236}">
-                <a16:creationId xmlns:a16="http://schemas.microsoft.com/office/drawing/2014/main" id="{57C54A6A-DD47-85E8-F9CA-63EA6F78E584}"/>
-              </a:ext>
-            </a:extLst>
-          </p:cNvPr>
-          <p:cNvSpPr>
-            <a:spLocks noGrp="1"/>
-          </p:cNvSpPr>
-          <p:nvPr>
-            <p:ph type="ctrTitle"/>
-          </p:nvPr>
-        </p:nvSpPr>
+                <a16:creationId xmlns:a16="http://schemas.microsoft.com/office/drawing/2014/main" id="{F9CAC03A-8042-5103-B09B-2712E05E9916}"/>
+              </a:ext>
+            </a:extLst>
+          </p:cNvPr>
+          <p:cNvSpPr>
+            <a:spLocks noGrp="1"/>
+          </p:cNvSpPr>
+          <p:nvPr>
+            <p:ph type="title"/>
+          </p:nvPr>
+        </p:nvSpPr>
+        <p:spPr/>
+        <p:txBody>
+          <a:bodyPr/>
+          <a:lstStyle/>
+          <a:p>
+            <a:pPr algn="ctr"/>
+            <a:r>
+              <a:rPr lang="en-US" altLang="ko-KR" dirty="0"/>
+              <a:t>vs</a:t>
+            </a:r>
+            <a:r>
+              <a:rPr lang="ko-KR" altLang="en-US" dirty="0"/>
+              <a:t> </a:t>
+            </a:r>
+            <a:r>
+              <a:rPr lang="en-US" altLang="ko-KR" dirty="0"/>
+              <a:t>ALIAS(image generation)</a:t>
+            </a:r>
+            <a:endParaRPr lang="ko-KR" altLang="en-US" dirty="0"/>
+          </a:p>
+        </p:txBody>
+      </p:sp>
+      <p:pic>
+        <p:nvPicPr>
+          <p:cNvPr id="5" name="내용 개체 틀 4">
+            <a:extLst>
+              <a:ext uri="{FF2B5EF4-FFF2-40B4-BE49-F238E27FC236}">
+                <a16:creationId xmlns:a16="http://schemas.microsoft.com/office/drawing/2014/main" id="{A1136A8C-E961-E207-028D-8498BED9E147}"/>
+              </a:ext>
+            </a:extLst>
+          </p:cNvPr>
+          <p:cNvPicPr>
+            <a:picLocks noGrp="1" noChangeAspect="1"/>
+          </p:cNvPicPr>
+          <p:nvPr>
+            <p:ph idx="1"/>
+          </p:nvPr>
+        </p:nvPicPr>
+        <p:blipFill>
+          <a:blip r:embed="rId2">
+            <a:extLst>
+              <a:ext uri="{28A0092B-C50C-407E-A947-70E740481C1C}">
+                <a14:useLocalDpi xmlns:a14="http://schemas.microsoft.com/office/drawing/2010/main" val="0"/>
+              </a:ext>
+            </a:extLst>
+          </a:blip>
+          <a:stretch>
+            <a:fillRect/>
+          </a:stretch>
+        </p:blipFill>
         <p:spPr>
           <a:xfrm>
-            <a:off x="1524000" y="1199860"/>
-            <a:ext cx="9144000" cy="1412716"/>
+            <a:off x="2371391" y="1805176"/>
+            <a:ext cx="6737098" cy="5052824"/>
           </a:xfrm>
         </p:spPr>
-        <p:txBody>
-          <a:bodyPr/>
-          <a:lstStyle/>
-          <a:p>
-            <a:r>
-              <a:rPr lang="en-US" altLang="ko-KR" b="1" dirty="0"/>
-              <a:t>SESAME</a:t>
-            </a:r>
-            <a:endParaRPr lang="ko-KR" altLang="en-US" b="1" dirty="0"/>
-          </a:p>
-        </p:txBody>
-      </p:sp>
-      <p:sp>
-        <p:nvSpPr>
-          <p:cNvPr id="3" name="부제목 2">
-            <a:extLst>
-              <a:ext uri="{FF2B5EF4-FFF2-40B4-BE49-F238E27FC236}">
-                <a16:creationId xmlns:a16="http://schemas.microsoft.com/office/drawing/2014/main" id="{572D3392-EB30-0FD1-5089-F47100F63953}"/>
-              </a:ext>
-            </a:extLst>
-          </p:cNvPr>
-          <p:cNvSpPr>
-            <a:spLocks noGrp="1"/>
-          </p:cNvSpPr>
-          <p:nvPr>
-            <p:ph type="subTitle" idx="1"/>
-          </p:nvPr>
-        </p:nvSpPr>
-        <p:spPr/>
-        <p:txBody>
-          <a:bodyPr/>
-          <a:lstStyle/>
-          <a:p>
-            <a:r>
-              <a:rPr lang="en-US" altLang="ko-KR" sz="2600" b="1" dirty="0"/>
-              <a:t>Semantic Editing of Scenes</a:t>
-            </a:r>
-          </a:p>
-          <a:p>
-            <a:r>
-              <a:rPr lang="en-US" altLang="ko-KR" sz="2200" dirty="0"/>
-              <a:t>by Adding, Manipulating or Erasing objects</a:t>
-            </a:r>
-            <a:endParaRPr lang="ko-KR" altLang="en-US" sz="2200" dirty="0"/>
-          </a:p>
-        </p:txBody>
-      </p:sp>
+      </p:pic>
     </p:spTree>
     <p:extLst>
       <p:ext uri="{BB962C8B-B14F-4D97-AF65-F5344CB8AC3E}">
-        <p14:creationId xmlns:p14="http://schemas.microsoft.com/office/powerpoint/2010/main" val="2496337213"/>
+        <p14:creationId xmlns:p14="http://schemas.microsoft.com/office/powerpoint/2010/main" val="2774535992"/>
       </p:ext>
     </p:extLst>
   </p:cSld>
@@ -5065,15 +6109,11 @@
           <a:p>
             <a:r>
               <a:rPr lang="ko-KR" altLang="en-US" dirty="0"/>
-              <a:t>수정할 부분의 </a:t>
-            </a:r>
-            <a:r>
-              <a:rPr lang="en-US" altLang="ko-KR" dirty="0"/>
-              <a:t>semantic </a:t>
-            </a:r>
-            <a:r>
-              <a:rPr lang="en-US" altLang="ko-KR" dirty="0" err="1"/>
-              <a:t>layoout</a:t>
+              <a:t>수정할 영역의 </a:t>
+            </a:r>
+            <a:r>
+              <a:rPr lang="en-US" altLang="ko-KR" dirty="0"/>
+              <a:t>label</a:t>
             </a:r>
             <a:r>
               <a:rPr lang="ko-KR" altLang="en-US" dirty="0"/>
@@ -5232,7 +6272,7 @@
             </a:pPr>
             <a:r>
               <a:rPr lang="en-US" altLang="ko-KR" dirty="0"/>
-              <a:t>Hong et al.</a:t>
+              <a:t>[12]Hong et al.</a:t>
             </a:r>
             <a:endParaRPr lang="ko-KR" altLang="en-US" dirty="0"/>
           </a:p>
@@ -5643,7 +6683,15 @@
             </a:r>
             <a:r>
               <a:rPr lang="en-US" altLang="ko-KR" dirty="0"/>
-              <a:t>??</a:t>
+              <a:t>??(12</a:t>
+            </a:r>
+            <a:r>
+              <a:rPr lang="ko-KR" altLang="en-US" dirty="0"/>
+              <a:t>슬라이드와 연관</a:t>
+            </a:r>
+            <a:r>
+              <a:rPr lang="en-US" altLang="ko-KR" dirty="0"/>
+              <a:t>?)</a:t>
             </a:r>
             <a:endParaRPr lang="ko-KR" altLang="en-US" dirty="0"/>
           </a:p>
@@ -5865,7 +6913,7 @@
         </p:blipFill>
         <p:spPr>
           <a:xfrm>
-            <a:off x="320769" y="341226"/>
+            <a:off x="2856830" y="270635"/>
             <a:ext cx="6478339" cy="1287309"/>
           </a:xfrm>
           <a:prstGeom prst="rect">
@@ -5976,7 +7024,7 @@
         </p:blipFill>
         <p:spPr>
           <a:xfrm>
-            <a:off x="320769" y="1669002"/>
+            <a:off x="951965" y="1502415"/>
             <a:ext cx="3677163" cy="3048425"/>
           </a:xfrm>
           <a:prstGeom prst="rect">
@@ -5984,6 +7032,78 @@
           </a:prstGeom>
         </p:spPr>
       </p:pic>
+      <p:sp>
+        <p:nvSpPr>
+          <p:cNvPr id="2" name="TextBox 1">
+            <a:extLst>
+              <a:ext uri="{FF2B5EF4-FFF2-40B4-BE49-F238E27FC236}">
+                <a16:creationId xmlns:a16="http://schemas.microsoft.com/office/drawing/2014/main" id="{2EC5DA00-2A36-3473-CCBD-1B0B51820236}"/>
+              </a:ext>
+            </a:extLst>
+          </p:cNvPr>
+          <p:cNvSpPr txBox="1"/>
+          <p:nvPr/>
+        </p:nvSpPr>
+        <p:spPr>
+          <a:xfrm>
+            <a:off x="9401452" y="550416"/>
+            <a:ext cx="577049" cy="369332"/>
+          </a:xfrm>
+          <a:prstGeom prst="rect">
+            <a:avLst/>
+          </a:prstGeom>
+          <a:noFill/>
+        </p:spPr>
+        <p:txBody>
+          <a:bodyPr wrap="square" rtlCol="0">
+            <a:spAutoFit/>
+          </a:bodyPr>
+          <a:lstStyle/>
+          <a:p>
+            <a:r>
+              <a:rPr lang="en-US" altLang="ko-KR" dirty="0"/>
+              <a:t>[26]</a:t>
+            </a:r>
+            <a:endParaRPr lang="ko-KR" altLang="en-US" dirty="0"/>
+          </a:p>
+        </p:txBody>
+      </p:sp>
+      <p:sp>
+        <p:nvSpPr>
+          <p:cNvPr id="9" name="TextBox 8">
+            <a:extLst>
+              <a:ext uri="{FF2B5EF4-FFF2-40B4-BE49-F238E27FC236}">
+                <a16:creationId xmlns:a16="http://schemas.microsoft.com/office/drawing/2014/main" id="{A5ABE772-8743-AA14-B163-C2119DB495FE}"/>
+              </a:ext>
+            </a:extLst>
+          </p:cNvPr>
+          <p:cNvSpPr txBox="1"/>
+          <p:nvPr/>
+        </p:nvSpPr>
+        <p:spPr>
+          <a:xfrm>
+            <a:off x="374916" y="2841961"/>
+            <a:ext cx="577049" cy="369332"/>
+          </a:xfrm>
+          <a:prstGeom prst="rect">
+            <a:avLst/>
+          </a:prstGeom>
+          <a:noFill/>
+        </p:spPr>
+        <p:txBody>
+          <a:bodyPr wrap="square" rtlCol="0">
+            <a:spAutoFit/>
+          </a:bodyPr>
+          <a:lstStyle/>
+          <a:p>
+            <a:r>
+              <a:rPr lang="en-US" altLang="ko-KR" dirty="0"/>
+              <a:t>[26]</a:t>
+            </a:r>
+            <a:endParaRPr lang="ko-KR" altLang="en-US" dirty="0"/>
+          </a:p>
+        </p:txBody>
+      </p:sp>
     </p:spTree>
     <p:extLst>
       <p:ext uri="{BB962C8B-B14F-4D97-AF65-F5344CB8AC3E}">
@@ -6096,7 +7216,15 @@
           <a:p>
             <a:r>
               <a:rPr lang="en-US" altLang="ko-KR" dirty="0"/>
-              <a:t>Dilated convolution, SPADE layer</a:t>
+              <a:t>Dilated convolution(</a:t>
+            </a:r>
+            <a:r>
+              <a:rPr lang="ko-KR" altLang="en-US" dirty="0"/>
+              <a:t>큰 </a:t>
+            </a:r>
+            <a:r>
+              <a:rPr lang="en-US" altLang="ko-KR" dirty="0"/>
+              <a:t>receptive filed), SPADE layer</a:t>
             </a:r>
           </a:p>
           <a:p>

--- a/GAN/SESAME.pptx
+++ b/GAN/SESAME.pptx
@@ -5,7 +5,7 @@
     <p:sldMasterId id="2147483648" r:id="rId1"/>
   </p:sldMasterIdLst>
   <p:notesMasterIdLst>
-    <p:notesMasterId r:id="rId18"/>
+    <p:notesMasterId r:id="rId19"/>
   </p:notesMasterIdLst>
   <p:sldIdLst>
     <p:sldId id="256" r:id="rId2"/>
@@ -18,12 +18,13 @@
     <p:sldId id="262" r:id="rId9"/>
     <p:sldId id="263" r:id="rId10"/>
     <p:sldId id="264" r:id="rId11"/>
-    <p:sldId id="268" r:id="rId12"/>
-    <p:sldId id="269" r:id="rId13"/>
-    <p:sldId id="270" r:id="rId14"/>
-    <p:sldId id="271" r:id="rId15"/>
-    <p:sldId id="266" r:id="rId16"/>
-    <p:sldId id="265" r:id="rId17"/>
+    <p:sldId id="272" r:id="rId12"/>
+    <p:sldId id="268" r:id="rId13"/>
+    <p:sldId id="269" r:id="rId14"/>
+    <p:sldId id="270" r:id="rId15"/>
+    <p:sldId id="271" r:id="rId16"/>
+    <p:sldId id="266" r:id="rId17"/>
+    <p:sldId id="265" r:id="rId18"/>
   </p:sldIdLst>
   <p:sldSz cx="12192000" cy="6858000"/>
   <p:notesSz cx="6858000" cy="9144000"/>
@@ -212,7 +213,7 @@
           <a:p>
             <a:fld id="{1F074F99-4547-42EE-9FCD-022696AC82A3}" type="datetimeFigureOut">
               <a:rPr lang="ko-KR" altLang="en-US" smtClean="0"/>
-              <a:t>2022-06-21</a:t>
+              <a:t>2022-06-24</a:t>
             </a:fld>
             <a:endParaRPr lang="ko-KR" altLang="en-US"/>
           </a:p>
@@ -902,7 +903,7 @@
           <a:p>
             <a:fld id="{6BBF9638-751B-490D-B9CB-04F5E296FD5C}" type="datetimeFigureOut">
               <a:rPr lang="ko-KR" altLang="en-US" smtClean="0"/>
-              <a:t>2022-06-21</a:t>
+              <a:t>2022-06-24</a:t>
             </a:fld>
             <a:endParaRPr lang="ko-KR" altLang="en-US"/>
           </a:p>
@@ -1100,7 +1101,7 @@
           <a:p>
             <a:fld id="{6BBF9638-751B-490D-B9CB-04F5E296FD5C}" type="datetimeFigureOut">
               <a:rPr lang="ko-KR" altLang="en-US" smtClean="0"/>
-              <a:t>2022-06-21</a:t>
+              <a:t>2022-06-24</a:t>
             </a:fld>
             <a:endParaRPr lang="ko-KR" altLang="en-US"/>
           </a:p>
@@ -1308,7 +1309,7 @@
           <a:p>
             <a:fld id="{6BBF9638-751B-490D-B9CB-04F5E296FD5C}" type="datetimeFigureOut">
               <a:rPr lang="ko-KR" altLang="en-US" smtClean="0"/>
-              <a:t>2022-06-21</a:t>
+              <a:t>2022-06-24</a:t>
             </a:fld>
             <a:endParaRPr lang="ko-KR" altLang="en-US"/>
           </a:p>
@@ -1506,7 +1507,7 @@
           <a:p>
             <a:fld id="{6BBF9638-751B-490D-B9CB-04F5E296FD5C}" type="datetimeFigureOut">
               <a:rPr lang="ko-KR" altLang="en-US" smtClean="0"/>
-              <a:t>2022-06-21</a:t>
+              <a:t>2022-06-24</a:t>
             </a:fld>
             <a:endParaRPr lang="ko-KR" altLang="en-US"/>
           </a:p>
@@ -1781,7 +1782,7 @@
           <a:p>
             <a:fld id="{6BBF9638-751B-490D-B9CB-04F5E296FD5C}" type="datetimeFigureOut">
               <a:rPr lang="ko-KR" altLang="en-US" smtClean="0"/>
-              <a:t>2022-06-21</a:t>
+              <a:t>2022-06-24</a:t>
             </a:fld>
             <a:endParaRPr lang="ko-KR" altLang="en-US"/>
           </a:p>
@@ -2046,7 +2047,7 @@
           <a:p>
             <a:fld id="{6BBF9638-751B-490D-B9CB-04F5E296FD5C}" type="datetimeFigureOut">
               <a:rPr lang="ko-KR" altLang="en-US" smtClean="0"/>
-              <a:t>2022-06-21</a:t>
+              <a:t>2022-06-24</a:t>
             </a:fld>
             <a:endParaRPr lang="ko-KR" altLang="en-US"/>
           </a:p>
@@ -2458,7 +2459,7 @@
           <a:p>
             <a:fld id="{6BBF9638-751B-490D-B9CB-04F5E296FD5C}" type="datetimeFigureOut">
               <a:rPr lang="ko-KR" altLang="en-US" smtClean="0"/>
-              <a:t>2022-06-21</a:t>
+              <a:t>2022-06-24</a:t>
             </a:fld>
             <a:endParaRPr lang="ko-KR" altLang="en-US"/>
           </a:p>
@@ -2599,7 +2600,7 @@
           <a:p>
             <a:fld id="{6BBF9638-751B-490D-B9CB-04F5E296FD5C}" type="datetimeFigureOut">
               <a:rPr lang="ko-KR" altLang="en-US" smtClean="0"/>
-              <a:t>2022-06-21</a:t>
+              <a:t>2022-06-24</a:t>
             </a:fld>
             <a:endParaRPr lang="ko-KR" altLang="en-US"/>
           </a:p>
@@ -2712,7 +2713,7 @@
           <a:p>
             <a:fld id="{6BBF9638-751B-490D-B9CB-04F5E296FD5C}" type="datetimeFigureOut">
               <a:rPr lang="ko-KR" altLang="en-US" smtClean="0"/>
-              <a:t>2022-06-21</a:t>
+              <a:t>2022-06-24</a:t>
             </a:fld>
             <a:endParaRPr lang="ko-KR" altLang="en-US"/>
           </a:p>
@@ -3023,7 +3024,7 @@
           <a:p>
             <a:fld id="{6BBF9638-751B-490D-B9CB-04F5E296FD5C}" type="datetimeFigureOut">
               <a:rPr lang="ko-KR" altLang="en-US" smtClean="0"/>
-              <a:t>2022-06-21</a:t>
+              <a:t>2022-06-24</a:t>
             </a:fld>
             <a:endParaRPr lang="ko-KR" altLang="en-US"/>
           </a:p>
@@ -3311,7 +3312,7 @@
           <a:p>
             <a:fld id="{6BBF9638-751B-490D-B9CB-04F5E296FD5C}" type="datetimeFigureOut">
               <a:rPr lang="ko-KR" altLang="en-US" smtClean="0"/>
-              <a:t>2022-06-21</a:t>
+              <a:t>2022-06-24</a:t>
             </a:fld>
             <a:endParaRPr lang="ko-KR" altLang="en-US"/>
           </a:p>
@@ -3552,7 +3553,7 @@
           <a:p>
             <a:fld id="{6BBF9638-751B-490D-B9CB-04F5E296FD5C}" type="datetimeFigureOut">
               <a:rPr lang="ko-KR" altLang="en-US" smtClean="0"/>
-              <a:t>2022-06-21</a:t>
+              <a:t>2022-06-24</a:t>
             </a:fld>
             <a:endParaRPr lang="ko-KR" altLang="en-US"/>
           </a:p>
@@ -4031,8 +4032,16 @@
           </a:p>
           <a:p>
             <a:r>
+              <a:rPr lang="en-US" altLang="ko-KR" sz="2200"/>
+              <a:t>by </a:t>
+            </a:r>
+            <a:r>
               <a:rPr lang="en-US" altLang="ko-KR" sz="2200" dirty="0"/>
-              <a:t>by Adding, Manipulating or Erasing objects</a:t>
+              <a:t>Adding, Manipulating or </a:t>
+            </a:r>
+            <a:r>
+              <a:rPr lang="en-US" altLang="ko-KR" sz="2200"/>
+              <a:t>Erasing objects</a:t>
             </a:r>
             <a:endParaRPr lang="ko-KR" altLang="en-US" sz="2200" dirty="0"/>
           </a:p>
@@ -4154,7 +4163,7 @@
               <a:t>는 </a:t>
             </a:r>
             <a:r>
-              <a:rPr lang="en-US" altLang="ko-KR" dirty="0"/>
+              <a:rPr lang="en-US" altLang="ko-KR"/>
               <a:t>SPADE block</a:t>
             </a:r>
             <a:r>
@@ -4339,50 +4348,6 @@
           </a:p>
         </p:txBody>
       </p:sp>
-      <p:sp>
-        <p:nvSpPr>
-          <p:cNvPr id="6" name="TextBox 5">
-            <a:extLst>
-              <a:ext uri="{FF2B5EF4-FFF2-40B4-BE49-F238E27FC236}">
-                <a16:creationId xmlns:a16="http://schemas.microsoft.com/office/drawing/2014/main" id="{646467FB-1B0D-54E6-8CB5-B73A997F79C6}"/>
-              </a:ext>
-            </a:extLst>
-          </p:cNvPr>
-          <p:cNvSpPr txBox="1"/>
-          <p:nvPr/>
-        </p:nvSpPr>
-        <p:spPr>
-          <a:xfrm>
-            <a:off x="27187" y="2251959"/>
-            <a:ext cx="2352583" cy="307777"/>
-          </a:xfrm>
-          <a:prstGeom prst="rect">
-            <a:avLst/>
-          </a:prstGeom>
-          <a:noFill/>
-        </p:spPr>
-        <p:txBody>
-          <a:bodyPr wrap="square" rtlCol="0">
-            <a:spAutoFit/>
-          </a:bodyPr>
-          <a:lstStyle/>
-          <a:p>
-            <a:r>
-              <a:rPr lang="en-US" altLang="ko-KR" sz="1400" dirty="0"/>
-              <a:t>Loss</a:t>
-            </a:r>
-            <a:r>
-              <a:rPr lang="ko-KR" altLang="en-US" sz="1400" dirty="0"/>
-              <a:t>가 어떻게 구해질까</a:t>
-            </a:r>
-            <a:r>
-              <a:rPr lang="en-US" altLang="ko-KR" sz="1400" dirty="0"/>
-              <a:t>?</a:t>
-            </a:r>
-            <a:endParaRPr lang="ko-KR" altLang="en-US" sz="1400" dirty="0"/>
-          </a:p>
-        </p:txBody>
-      </p:sp>
     </p:spTree>
     <p:extLst>
       <p:ext uri="{BB962C8B-B14F-4D97-AF65-F5344CB8AC3E}">
@@ -4397,6 +4362,1566 @@
 </file>
 
 <file path=ppt/slides/slide11.xml><?xml version="1.0" encoding="utf-8"?>
+<p:sld xmlns:a="http://schemas.openxmlformats.org/drawingml/2006/main" xmlns:r="http://schemas.openxmlformats.org/officeDocument/2006/relationships" xmlns:p="http://schemas.openxmlformats.org/presentationml/2006/main">
+  <p:cSld>
+    <p:spTree>
+      <p:nvGrpSpPr>
+        <p:cNvPr id="1" name=""/>
+        <p:cNvGrpSpPr/>
+        <p:nvPr/>
+      </p:nvGrpSpPr>
+      <p:grpSpPr>
+        <a:xfrm>
+          <a:off x="0" y="0"/>
+          <a:ext cx="0" cy="0"/>
+          <a:chOff x="0" y="0"/>
+          <a:chExt cx="0" cy="0"/>
+        </a:xfrm>
+      </p:grpSpPr>
+      <p:sp>
+        <p:nvSpPr>
+          <p:cNvPr id="4" name="사각형: 둥근 모서리 3">
+            <a:extLst>
+              <a:ext uri="{FF2B5EF4-FFF2-40B4-BE49-F238E27FC236}">
+                <a16:creationId xmlns:a16="http://schemas.microsoft.com/office/drawing/2014/main" id="{299A6790-C5B8-14B2-3BDE-CA8F4E9D5BFE}"/>
+              </a:ext>
+            </a:extLst>
+          </p:cNvPr>
+          <p:cNvSpPr/>
+          <p:nvPr/>
+        </p:nvSpPr>
+        <p:spPr>
+          <a:xfrm>
+            <a:off x="323175" y="1844842"/>
+            <a:ext cx="466934" cy="2061333"/>
+          </a:xfrm>
+          <a:prstGeom prst="roundRect">
+            <a:avLst/>
+          </a:prstGeom>
+        </p:spPr>
+        <p:style>
+          <a:lnRef idx="2">
+            <a:schemeClr val="accent1">
+              <a:shade val="50000"/>
+            </a:schemeClr>
+          </a:lnRef>
+          <a:fillRef idx="1">
+            <a:schemeClr val="accent1"/>
+          </a:fillRef>
+          <a:effectRef idx="0">
+            <a:schemeClr val="accent1"/>
+          </a:effectRef>
+          <a:fontRef idx="minor">
+            <a:schemeClr val="lt1"/>
+          </a:fontRef>
+        </p:style>
+        <p:txBody>
+          <a:bodyPr vert="eaVert" rtlCol="0" anchor="ctr"/>
+          <a:lstStyle/>
+          <a:p>
+            <a:pPr algn="ctr"/>
+            <a:r>
+              <a:rPr lang="en-US" altLang="ko-KR" dirty="0" err="1"/>
+              <a:t>Conv_init</a:t>
+            </a:r>
+            <a:endParaRPr lang="ko-KR" altLang="en-US" dirty="0"/>
+          </a:p>
+        </p:txBody>
+      </p:sp>
+      <p:sp>
+        <p:nvSpPr>
+          <p:cNvPr id="5" name="사각형: 둥근 모서리 4">
+            <a:extLst>
+              <a:ext uri="{FF2B5EF4-FFF2-40B4-BE49-F238E27FC236}">
+                <a16:creationId xmlns:a16="http://schemas.microsoft.com/office/drawing/2014/main" id="{537A7C38-F3EC-779A-1215-1DC5B7FBE029}"/>
+              </a:ext>
+            </a:extLst>
+          </p:cNvPr>
+          <p:cNvSpPr/>
+          <p:nvPr/>
+        </p:nvSpPr>
+        <p:spPr>
+          <a:xfrm>
+            <a:off x="1051144" y="1844842"/>
+            <a:ext cx="466934" cy="2061333"/>
+          </a:xfrm>
+          <a:prstGeom prst="roundRect">
+            <a:avLst/>
+          </a:prstGeom>
+        </p:spPr>
+        <p:style>
+          <a:lnRef idx="2">
+            <a:schemeClr val="accent4">
+              <a:shade val="50000"/>
+            </a:schemeClr>
+          </a:lnRef>
+          <a:fillRef idx="1">
+            <a:schemeClr val="accent4"/>
+          </a:fillRef>
+          <a:effectRef idx="0">
+            <a:schemeClr val="accent4"/>
+          </a:effectRef>
+          <a:fontRef idx="minor">
+            <a:schemeClr val="lt1"/>
+          </a:fontRef>
+        </p:style>
+        <p:txBody>
+          <a:bodyPr vert="eaVert" rtlCol="0" anchor="ctr"/>
+          <a:lstStyle/>
+          <a:p>
+            <a:pPr algn="ctr"/>
+            <a:r>
+              <a:rPr lang="en-US" altLang="ko-KR" dirty="0"/>
+              <a:t>Conv_down_0</a:t>
+            </a:r>
+            <a:endParaRPr lang="ko-KR" altLang="en-US" dirty="0"/>
+          </a:p>
+        </p:txBody>
+      </p:sp>
+      <p:sp>
+        <p:nvSpPr>
+          <p:cNvPr id="6" name="사각형: 둥근 모서리 5">
+            <a:extLst>
+              <a:ext uri="{FF2B5EF4-FFF2-40B4-BE49-F238E27FC236}">
+                <a16:creationId xmlns:a16="http://schemas.microsoft.com/office/drawing/2014/main" id="{C35C0EE1-7646-2A7B-884F-8C9E1A3C6B52}"/>
+              </a:ext>
+            </a:extLst>
+          </p:cNvPr>
+          <p:cNvSpPr/>
+          <p:nvPr/>
+        </p:nvSpPr>
+        <p:spPr>
+          <a:xfrm>
+            <a:off x="1859011" y="1844842"/>
+            <a:ext cx="466934" cy="2061333"/>
+          </a:xfrm>
+          <a:prstGeom prst="roundRect">
+            <a:avLst/>
+          </a:prstGeom>
+        </p:spPr>
+        <p:style>
+          <a:lnRef idx="2">
+            <a:schemeClr val="accent4">
+              <a:shade val="50000"/>
+            </a:schemeClr>
+          </a:lnRef>
+          <a:fillRef idx="1">
+            <a:schemeClr val="accent4"/>
+          </a:fillRef>
+          <a:effectRef idx="0">
+            <a:schemeClr val="accent4"/>
+          </a:effectRef>
+          <a:fontRef idx="minor">
+            <a:schemeClr val="lt1"/>
+          </a:fontRef>
+        </p:style>
+        <p:txBody>
+          <a:bodyPr vert="eaVert" rtlCol="0" anchor="ctr"/>
+          <a:lstStyle/>
+          <a:p>
+            <a:pPr algn="ctr"/>
+            <a:r>
+              <a:rPr lang="en-US" altLang="ko-KR" dirty="0"/>
+              <a:t>Conv_down_1</a:t>
+            </a:r>
+            <a:endParaRPr lang="ko-KR" altLang="en-US" dirty="0"/>
+          </a:p>
+        </p:txBody>
+      </p:sp>
+      <p:sp>
+        <p:nvSpPr>
+          <p:cNvPr id="7" name="사각형: 둥근 모서리 6">
+            <a:extLst>
+              <a:ext uri="{FF2B5EF4-FFF2-40B4-BE49-F238E27FC236}">
+                <a16:creationId xmlns:a16="http://schemas.microsoft.com/office/drawing/2014/main" id="{B94F064F-FB7E-178B-D996-ADE029EFD4C2}"/>
+              </a:ext>
+            </a:extLst>
+          </p:cNvPr>
+          <p:cNvSpPr/>
+          <p:nvPr/>
+        </p:nvSpPr>
+        <p:spPr>
+          <a:xfrm>
+            <a:off x="2622489" y="1844842"/>
+            <a:ext cx="466934" cy="2061333"/>
+          </a:xfrm>
+          <a:prstGeom prst="roundRect">
+            <a:avLst/>
+          </a:prstGeom>
+        </p:spPr>
+        <p:style>
+          <a:lnRef idx="2">
+            <a:schemeClr val="accent2">
+              <a:shade val="50000"/>
+            </a:schemeClr>
+          </a:lnRef>
+          <a:fillRef idx="1">
+            <a:schemeClr val="accent2"/>
+          </a:fillRef>
+          <a:effectRef idx="0">
+            <a:schemeClr val="accent2"/>
+          </a:effectRef>
+          <a:fontRef idx="minor">
+            <a:schemeClr val="lt1"/>
+          </a:fontRef>
+        </p:style>
+        <p:txBody>
+          <a:bodyPr vert="eaVert" rtlCol="0" anchor="ctr"/>
+          <a:lstStyle/>
+          <a:p>
+            <a:pPr algn="ctr"/>
+            <a:r>
+              <a:rPr lang="en-US" altLang="ko-KR" dirty="0"/>
+              <a:t>Res_blk_0</a:t>
+            </a:r>
+            <a:endParaRPr lang="ko-KR" altLang="en-US" dirty="0"/>
+          </a:p>
+        </p:txBody>
+      </p:sp>
+      <p:sp>
+        <p:nvSpPr>
+          <p:cNvPr id="8" name="사각형: 둥근 모서리 7">
+            <a:extLst>
+              <a:ext uri="{FF2B5EF4-FFF2-40B4-BE49-F238E27FC236}">
+                <a16:creationId xmlns:a16="http://schemas.microsoft.com/office/drawing/2014/main" id="{493C1667-6079-85CA-797D-9CECEC12658D}"/>
+              </a:ext>
+            </a:extLst>
+          </p:cNvPr>
+          <p:cNvSpPr/>
+          <p:nvPr/>
+        </p:nvSpPr>
+        <p:spPr>
+          <a:xfrm>
+            <a:off x="3439234" y="1844842"/>
+            <a:ext cx="466934" cy="2061333"/>
+          </a:xfrm>
+          <a:prstGeom prst="roundRect">
+            <a:avLst/>
+          </a:prstGeom>
+        </p:spPr>
+        <p:style>
+          <a:lnRef idx="2">
+            <a:schemeClr val="accent2">
+              <a:shade val="50000"/>
+            </a:schemeClr>
+          </a:lnRef>
+          <a:fillRef idx="1">
+            <a:schemeClr val="accent2"/>
+          </a:fillRef>
+          <a:effectRef idx="0">
+            <a:schemeClr val="accent2"/>
+          </a:effectRef>
+          <a:fontRef idx="minor">
+            <a:schemeClr val="lt1"/>
+          </a:fontRef>
+        </p:style>
+        <p:txBody>
+          <a:bodyPr vert="eaVert" rtlCol="0" anchor="ctr"/>
+          <a:lstStyle/>
+          <a:p>
+            <a:pPr algn="ctr"/>
+            <a:r>
+              <a:rPr lang="en-US" altLang="ko-KR"/>
+              <a:t>Res_blk</a:t>
+            </a:r>
+            <a:r>
+              <a:rPr lang="en-US" altLang="ko-KR" dirty="0"/>
+              <a:t>_1</a:t>
+            </a:r>
+            <a:endParaRPr lang="ko-KR" altLang="en-US" dirty="0"/>
+          </a:p>
+        </p:txBody>
+      </p:sp>
+      <p:sp>
+        <p:nvSpPr>
+          <p:cNvPr id="9" name="사각형: 둥근 모서리 8">
+            <a:extLst>
+              <a:ext uri="{FF2B5EF4-FFF2-40B4-BE49-F238E27FC236}">
+                <a16:creationId xmlns:a16="http://schemas.microsoft.com/office/drawing/2014/main" id="{6CA37090-90C1-6A75-73B9-A9410D5A430C}"/>
+              </a:ext>
+            </a:extLst>
+          </p:cNvPr>
+          <p:cNvSpPr/>
+          <p:nvPr/>
+        </p:nvSpPr>
+        <p:spPr>
+          <a:xfrm>
+            <a:off x="4220467" y="1844842"/>
+            <a:ext cx="466934" cy="2061333"/>
+          </a:xfrm>
+          <a:prstGeom prst="roundRect">
+            <a:avLst/>
+          </a:prstGeom>
+        </p:spPr>
+        <p:style>
+          <a:lnRef idx="2">
+            <a:schemeClr val="accent2">
+              <a:shade val="50000"/>
+            </a:schemeClr>
+          </a:lnRef>
+          <a:fillRef idx="1">
+            <a:schemeClr val="accent2"/>
+          </a:fillRef>
+          <a:effectRef idx="0">
+            <a:schemeClr val="accent2"/>
+          </a:effectRef>
+          <a:fontRef idx="minor">
+            <a:schemeClr val="lt1"/>
+          </a:fontRef>
+        </p:style>
+        <p:txBody>
+          <a:bodyPr vert="eaVert" rtlCol="0" anchor="ctr"/>
+          <a:lstStyle/>
+          <a:p>
+            <a:pPr algn="ctr"/>
+            <a:r>
+              <a:rPr lang="en-US" altLang="ko-KR"/>
+              <a:t>Res_blk</a:t>
+            </a:r>
+            <a:r>
+              <a:rPr lang="en-US" altLang="ko-KR" dirty="0"/>
+              <a:t>_2</a:t>
+            </a:r>
+            <a:endParaRPr lang="ko-KR" altLang="en-US" dirty="0"/>
+          </a:p>
+        </p:txBody>
+      </p:sp>
+      <p:sp>
+        <p:nvSpPr>
+          <p:cNvPr id="10" name="사각형: 둥근 모서리 9">
+            <a:extLst>
+              <a:ext uri="{FF2B5EF4-FFF2-40B4-BE49-F238E27FC236}">
+                <a16:creationId xmlns:a16="http://schemas.microsoft.com/office/drawing/2014/main" id="{0C1013B3-20C9-083C-3F5D-F2182543C306}"/>
+              </a:ext>
+            </a:extLst>
+          </p:cNvPr>
+          <p:cNvSpPr/>
+          <p:nvPr/>
+        </p:nvSpPr>
+        <p:spPr>
+          <a:xfrm>
+            <a:off x="5028334" y="1844842"/>
+            <a:ext cx="466934" cy="2061333"/>
+          </a:xfrm>
+          <a:prstGeom prst="roundRect">
+            <a:avLst/>
+          </a:prstGeom>
+        </p:spPr>
+        <p:style>
+          <a:lnRef idx="2">
+            <a:schemeClr val="accent2">
+              <a:shade val="50000"/>
+            </a:schemeClr>
+          </a:lnRef>
+          <a:fillRef idx="1">
+            <a:schemeClr val="accent2"/>
+          </a:fillRef>
+          <a:effectRef idx="0">
+            <a:schemeClr val="accent2"/>
+          </a:effectRef>
+          <a:fontRef idx="minor">
+            <a:schemeClr val="lt1"/>
+          </a:fontRef>
+        </p:style>
+        <p:txBody>
+          <a:bodyPr vert="eaVert" rtlCol="0" anchor="ctr"/>
+          <a:lstStyle/>
+          <a:p>
+            <a:pPr algn="ctr"/>
+            <a:r>
+              <a:rPr lang="en-US" altLang="ko-KR"/>
+              <a:t>Res_blk</a:t>
+            </a:r>
+            <a:r>
+              <a:rPr lang="en-US" altLang="ko-KR" dirty="0"/>
+              <a:t>_3</a:t>
+            </a:r>
+            <a:endParaRPr lang="ko-KR" altLang="en-US" dirty="0"/>
+          </a:p>
+        </p:txBody>
+      </p:sp>
+      <p:sp>
+        <p:nvSpPr>
+          <p:cNvPr id="11" name="사각형: 둥근 모서리 10">
+            <a:extLst>
+              <a:ext uri="{FF2B5EF4-FFF2-40B4-BE49-F238E27FC236}">
+                <a16:creationId xmlns:a16="http://schemas.microsoft.com/office/drawing/2014/main" id="{0625B335-663F-8136-D4B6-4F0BAB65FD90}"/>
+              </a:ext>
+            </a:extLst>
+          </p:cNvPr>
+          <p:cNvSpPr/>
+          <p:nvPr/>
+        </p:nvSpPr>
+        <p:spPr>
+          <a:xfrm>
+            <a:off x="5818445" y="1844842"/>
+            <a:ext cx="466934" cy="2061333"/>
+          </a:xfrm>
+          <a:prstGeom prst="roundRect">
+            <a:avLst/>
+          </a:prstGeom>
+        </p:spPr>
+        <p:style>
+          <a:lnRef idx="2">
+            <a:schemeClr val="accent6">
+              <a:shade val="50000"/>
+            </a:schemeClr>
+          </a:lnRef>
+          <a:fillRef idx="1">
+            <a:schemeClr val="accent6"/>
+          </a:fillRef>
+          <a:effectRef idx="0">
+            <a:schemeClr val="accent6"/>
+          </a:effectRef>
+          <a:fontRef idx="minor">
+            <a:schemeClr val="lt1"/>
+          </a:fontRef>
+        </p:style>
+        <p:txBody>
+          <a:bodyPr vert="eaVert" rtlCol="0" anchor="ctr"/>
+          <a:lstStyle/>
+          <a:p>
+            <a:pPr algn="ctr"/>
+            <a:r>
+              <a:rPr lang="en-US" altLang="ko-KR" dirty="0"/>
+              <a:t>SPADE_0</a:t>
+            </a:r>
+            <a:endParaRPr lang="ko-KR" altLang="en-US" dirty="0"/>
+          </a:p>
+        </p:txBody>
+      </p:sp>
+      <p:sp>
+        <p:nvSpPr>
+          <p:cNvPr id="12" name="사각형: 둥근 모서리 11">
+            <a:extLst>
+              <a:ext uri="{FF2B5EF4-FFF2-40B4-BE49-F238E27FC236}">
+                <a16:creationId xmlns:a16="http://schemas.microsoft.com/office/drawing/2014/main" id="{606FAD98-9B07-DED3-5C9B-C9D8014B9960}"/>
+              </a:ext>
+            </a:extLst>
+          </p:cNvPr>
+          <p:cNvSpPr/>
+          <p:nvPr/>
+        </p:nvSpPr>
+        <p:spPr>
+          <a:xfrm>
+            <a:off x="6670702" y="1844842"/>
+            <a:ext cx="466934" cy="2061333"/>
+          </a:xfrm>
+          <a:prstGeom prst="roundRect">
+            <a:avLst/>
+          </a:prstGeom>
+        </p:spPr>
+        <p:style>
+          <a:lnRef idx="2">
+            <a:schemeClr val="accent6">
+              <a:shade val="50000"/>
+            </a:schemeClr>
+          </a:lnRef>
+          <a:fillRef idx="1">
+            <a:schemeClr val="accent6"/>
+          </a:fillRef>
+          <a:effectRef idx="0">
+            <a:schemeClr val="accent6"/>
+          </a:effectRef>
+          <a:fontRef idx="minor">
+            <a:schemeClr val="lt1"/>
+          </a:fontRef>
+        </p:style>
+        <p:txBody>
+          <a:bodyPr vert="eaVert" rtlCol="0" anchor="ctr"/>
+          <a:lstStyle/>
+          <a:p>
+            <a:pPr algn="ctr"/>
+            <a:r>
+              <a:rPr lang="en-US" altLang="ko-KR" dirty="0"/>
+              <a:t>SPADE_1</a:t>
+            </a:r>
+            <a:endParaRPr lang="ko-KR" altLang="en-US" dirty="0"/>
+          </a:p>
+        </p:txBody>
+      </p:sp>
+      <p:sp>
+        <p:nvSpPr>
+          <p:cNvPr id="13" name="사각형: 둥근 모서리 12">
+            <a:extLst>
+              <a:ext uri="{FF2B5EF4-FFF2-40B4-BE49-F238E27FC236}">
+                <a16:creationId xmlns:a16="http://schemas.microsoft.com/office/drawing/2014/main" id="{3D265F11-4FB1-699A-0BDB-F713F22C94C4}"/>
+              </a:ext>
+            </a:extLst>
+          </p:cNvPr>
+          <p:cNvSpPr/>
+          <p:nvPr/>
+        </p:nvSpPr>
+        <p:spPr>
+          <a:xfrm>
+            <a:off x="7522959" y="1844842"/>
+            <a:ext cx="466934" cy="2061333"/>
+          </a:xfrm>
+          <a:prstGeom prst="roundRect">
+            <a:avLst/>
+          </a:prstGeom>
+        </p:spPr>
+        <p:style>
+          <a:lnRef idx="2">
+            <a:schemeClr val="accent6">
+              <a:shade val="50000"/>
+            </a:schemeClr>
+          </a:lnRef>
+          <a:fillRef idx="1">
+            <a:schemeClr val="accent6"/>
+          </a:fillRef>
+          <a:effectRef idx="0">
+            <a:schemeClr val="accent6"/>
+          </a:effectRef>
+          <a:fontRef idx="minor">
+            <a:schemeClr val="lt1"/>
+          </a:fontRef>
+        </p:style>
+        <p:txBody>
+          <a:bodyPr vert="eaVert" rtlCol="0" anchor="ctr"/>
+          <a:lstStyle/>
+          <a:p>
+            <a:pPr algn="ctr"/>
+            <a:r>
+              <a:rPr lang="en-US" altLang="ko-KR" dirty="0"/>
+              <a:t>SPADE_2</a:t>
+            </a:r>
+            <a:endParaRPr lang="ko-KR" altLang="en-US" dirty="0"/>
+          </a:p>
+        </p:txBody>
+      </p:sp>
+      <p:sp>
+        <p:nvSpPr>
+          <p:cNvPr id="14" name="사각형: 둥근 모서리 13">
+            <a:extLst>
+              <a:ext uri="{FF2B5EF4-FFF2-40B4-BE49-F238E27FC236}">
+                <a16:creationId xmlns:a16="http://schemas.microsoft.com/office/drawing/2014/main" id="{A6AB13F9-F0AB-E626-7643-4DF09C827242}"/>
+              </a:ext>
+            </a:extLst>
+          </p:cNvPr>
+          <p:cNvSpPr/>
+          <p:nvPr/>
+        </p:nvSpPr>
+        <p:spPr>
+          <a:xfrm>
+            <a:off x="8375216" y="1844842"/>
+            <a:ext cx="466934" cy="2061333"/>
+          </a:xfrm>
+          <a:prstGeom prst="roundRect">
+            <a:avLst/>
+          </a:prstGeom>
+        </p:spPr>
+        <p:style>
+          <a:lnRef idx="2">
+            <a:schemeClr val="accent6">
+              <a:shade val="50000"/>
+            </a:schemeClr>
+          </a:lnRef>
+          <a:fillRef idx="1">
+            <a:schemeClr val="accent6"/>
+          </a:fillRef>
+          <a:effectRef idx="0">
+            <a:schemeClr val="accent6"/>
+          </a:effectRef>
+          <a:fontRef idx="minor">
+            <a:schemeClr val="lt1"/>
+          </a:fontRef>
+        </p:style>
+        <p:txBody>
+          <a:bodyPr vert="eaVert" rtlCol="0" anchor="ctr"/>
+          <a:lstStyle/>
+          <a:p>
+            <a:pPr algn="ctr"/>
+            <a:r>
+              <a:rPr lang="en-US" altLang="ko-KR" dirty="0"/>
+              <a:t>SPADE_3</a:t>
+            </a:r>
+            <a:endParaRPr lang="ko-KR" altLang="en-US" dirty="0"/>
+          </a:p>
+        </p:txBody>
+      </p:sp>
+      <p:sp>
+        <p:nvSpPr>
+          <p:cNvPr id="15" name="사각형: 둥근 모서리 14">
+            <a:extLst>
+              <a:ext uri="{FF2B5EF4-FFF2-40B4-BE49-F238E27FC236}">
+                <a16:creationId xmlns:a16="http://schemas.microsoft.com/office/drawing/2014/main" id="{372F95E6-EEDE-3F0E-E5FE-F82D44F0961A}"/>
+              </a:ext>
+            </a:extLst>
+          </p:cNvPr>
+          <p:cNvSpPr/>
+          <p:nvPr/>
+        </p:nvSpPr>
+        <p:spPr>
+          <a:xfrm>
+            <a:off x="9164703" y="1844842"/>
+            <a:ext cx="466934" cy="2061333"/>
+          </a:xfrm>
+          <a:prstGeom prst="roundRect">
+            <a:avLst/>
+          </a:prstGeom>
+        </p:spPr>
+        <p:style>
+          <a:lnRef idx="2">
+            <a:schemeClr val="accent6">
+              <a:shade val="50000"/>
+            </a:schemeClr>
+          </a:lnRef>
+          <a:fillRef idx="1">
+            <a:schemeClr val="accent6"/>
+          </a:fillRef>
+          <a:effectRef idx="0">
+            <a:schemeClr val="accent6"/>
+          </a:effectRef>
+          <a:fontRef idx="minor">
+            <a:schemeClr val="lt1"/>
+          </a:fontRef>
+        </p:style>
+        <p:txBody>
+          <a:bodyPr vert="eaVert" rtlCol="0" anchor="ctr"/>
+          <a:lstStyle/>
+          <a:p>
+            <a:pPr algn="ctr"/>
+            <a:r>
+              <a:rPr lang="en-US" altLang="ko-KR" dirty="0"/>
+              <a:t>SPADE_4</a:t>
+            </a:r>
+            <a:endParaRPr lang="ko-KR" altLang="en-US" dirty="0"/>
+          </a:p>
+        </p:txBody>
+      </p:sp>
+      <p:sp>
+        <p:nvSpPr>
+          <p:cNvPr id="16" name="사각형: 둥근 모서리 15">
+            <a:extLst>
+              <a:ext uri="{FF2B5EF4-FFF2-40B4-BE49-F238E27FC236}">
+                <a16:creationId xmlns:a16="http://schemas.microsoft.com/office/drawing/2014/main" id="{2A5F660A-19A3-132A-4EF2-5322C445606F}"/>
+              </a:ext>
+            </a:extLst>
+          </p:cNvPr>
+          <p:cNvSpPr/>
+          <p:nvPr/>
+        </p:nvSpPr>
+        <p:spPr>
+          <a:xfrm>
+            <a:off x="9933479" y="1844842"/>
+            <a:ext cx="466934" cy="2061333"/>
+          </a:xfrm>
+          <a:prstGeom prst="roundRect">
+            <a:avLst/>
+          </a:prstGeom>
+        </p:spPr>
+        <p:style>
+          <a:lnRef idx="2">
+            <a:schemeClr val="accent3">
+              <a:shade val="50000"/>
+            </a:schemeClr>
+          </a:lnRef>
+          <a:fillRef idx="1">
+            <a:schemeClr val="accent3"/>
+          </a:fillRef>
+          <a:effectRef idx="0">
+            <a:schemeClr val="accent3"/>
+          </a:effectRef>
+          <a:fontRef idx="minor">
+            <a:schemeClr val="lt1"/>
+          </a:fontRef>
+        </p:style>
+        <p:txBody>
+          <a:bodyPr vert="eaVert" rtlCol="0" anchor="ctr"/>
+          <a:lstStyle/>
+          <a:p>
+            <a:pPr algn="ctr"/>
+            <a:r>
+              <a:rPr lang="en-US" altLang="ko-KR" dirty="0"/>
+              <a:t>SPADE_up_0</a:t>
+            </a:r>
+            <a:endParaRPr lang="ko-KR" altLang="en-US" dirty="0"/>
+          </a:p>
+        </p:txBody>
+      </p:sp>
+      <p:sp>
+        <p:nvSpPr>
+          <p:cNvPr id="17" name="사각형: 둥근 모서리 16">
+            <a:extLst>
+              <a:ext uri="{FF2B5EF4-FFF2-40B4-BE49-F238E27FC236}">
+                <a16:creationId xmlns:a16="http://schemas.microsoft.com/office/drawing/2014/main" id="{644A470A-16A6-C60C-F73C-CCF6313A3D84}"/>
+              </a:ext>
+            </a:extLst>
+          </p:cNvPr>
+          <p:cNvSpPr/>
+          <p:nvPr/>
+        </p:nvSpPr>
+        <p:spPr>
+          <a:xfrm>
+            <a:off x="10702255" y="1844842"/>
+            <a:ext cx="466934" cy="2061333"/>
+          </a:xfrm>
+          <a:prstGeom prst="roundRect">
+            <a:avLst/>
+          </a:prstGeom>
+        </p:spPr>
+        <p:style>
+          <a:lnRef idx="2">
+            <a:schemeClr val="accent3">
+              <a:shade val="50000"/>
+            </a:schemeClr>
+          </a:lnRef>
+          <a:fillRef idx="1">
+            <a:schemeClr val="accent3"/>
+          </a:fillRef>
+          <a:effectRef idx="0">
+            <a:schemeClr val="accent3"/>
+          </a:effectRef>
+          <a:fontRef idx="minor">
+            <a:schemeClr val="lt1"/>
+          </a:fontRef>
+        </p:style>
+        <p:txBody>
+          <a:bodyPr vert="eaVert" rtlCol="0" anchor="ctr"/>
+          <a:lstStyle/>
+          <a:p>
+            <a:pPr algn="ctr"/>
+            <a:r>
+              <a:rPr lang="en-US" altLang="ko-KR" dirty="0"/>
+              <a:t>SPADE_up_1</a:t>
+            </a:r>
+            <a:endParaRPr lang="ko-KR" altLang="en-US" dirty="0"/>
+          </a:p>
+        </p:txBody>
+      </p:sp>
+      <p:sp>
+        <p:nvSpPr>
+          <p:cNvPr id="18" name="사각형: 둥근 모서리 17">
+            <a:extLst>
+              <a:ext uri="{FF2B5EF4-FFF2-40B4-BE49-F238E27FC236}">
+                <a16:creationId xmlns:a16="http://schemas.microsoft.com/office/drawing/2014/main" id="{4940890E-15B9-626D-D52A-3323B828B5DD}"/>
+              </a:ext>
+            </a:extLst>
+          </p:cNvPr>
+          <p:cNvSpPr/>
+          <p:nvPr/>
+        </p:nvSpPr>
+        <p:spPr>
+          <a:xfrm>
+            <a:off x="11421348" y="1844842"/>
+            <a:ext cx="466934" cy="2061333"/>
+          </a:xfrm>
+          <a:prstGeom prst="roundRect">
+            <a:avLst/>
+          </a:prstGeom>
+        </p:spPr>
+        <p:style>
+          <a:lnRef idx="2">
+            <a:schemeClr val="accent1">
+              <a:shade val="50000"/>
+            </a:schemeClr>
+          </a:lnRef>
+          <a:fillRef idx="1">
+            <a:schemeClr val="accent1"/>
+          </a:fillRef>
+          <a:effectRef idx="0">
+            <a:schemeClr val="accent1"/>
+          </a:effectRef>
+          <a:fontRef idx="minor">
+            <a:schemeClr val="lt1"/>
+          </a:fontRef>
+        </p:style>
+        <p:txBody>
+          <a:bodyPr vert="eaVert" rtlCol="0" anchor="ctr"/>
+          <a:lstStyle/>
+          <a:p>
+            <a:pPr algn="ctr"/>
+            <a:r>
+              <a:rPr lang="en-US" altLang="ko-KR" dirty="0" err="1"/>
+              <a:t>Conv_img</a:t>
+            </a:r>
+            <a:endParaRPr lang="ko-KR" altLang="en-US" dirty="0"/>
+          </a:p>
+        </p:txBody>
+      </p:sp>
+      <p:sp>
+        <p:nvSpPr>
+          <p:cNvPr id="19" name="TextBox 18">
+            <a:extLst>
+              <a:ext uri="{FF2B5EF4-FFF2-40B4-BE49-F238E27FC236}">
+                <a16:creationId xmlns:a16="http://schemas.microsoft.com/office/drawing/2014/main" id="{6F4AE558-00D7-CDEA-7D18-9F50F6CC095B}"/>
+              </a:ext>
+            </a:extLst>
+          </p:cNvPr>
+          <p:cNvSpPr txBox="1"/>
+          <p:nvPr/>
+        </p:nvSpPr>
+        <p:spPr>
+          <a:xfrm>
+            <a:off x="957461" y="1278385"/>
+            <a:ext cx="654300" cy="430887"/>
+          </a:xfrm>
+          <a:prstGeom prst="rect">
+            <a:avLst/>
+          </a:prstGeom>
+          <a:noFill/>
+        </p:spPr>
+        <p:txBody>
+          <a:bodyPr wrap="square" rtlCol="0">
+            <a:spAutoFit/>
+          </a:bodyPr>
+          <a:lstStyle/>
+          <a:p>
+            <a:pPr algn="ctr"/>
+            <a:r>
+              <a:rPr lang="en-US" altLang="ko-KR" sz="1100" dirty="0"/>
+              <a:t>Down</a:t>
+            </a:r>
+          </a:p>
+          <a:p>
+            <a:pPr algn="ctr"/>
+            <a:r>
+              <a:rPr lang="en-US" altLang="ko-KR" sz="1100" dirty="0"/>
+              <a:t>sample</a:t>
+            </a:r>
+            <a:endParaRPr lang="ko-KR" altLang="en-US" sz="1100" dirty="0"/>
+          </a:p>
+        </p:txBody>
+      </p:sp>
+      <p:sp>
+        <p:nvSpPr>
+          <p:cNvPr id="20" name="TextBox 19">
+            <a:extLst>
+              <a:ext uri="{FF2B5EF4-FFF2-40B4-BE49-F238E27FC236}">
+                <a16:creationId xmlns:a16="http://schemas.microsoft.com/office/drawing/2014/main" id="{6E7BE084-C08A-CE88-D2F5-3B36D7425C22}"/>
+              </a:ext>
+            </a:extLst>
+          </p:cNvPr>
+          <p:cNvSpPr txBox="1"/>
+          <p:nvPr/>
+        </p:nvSpPr>
+        <p:spPr>
+          <a:xfrm>
+            <a:off x="1765328" y="1278385"/>
+            <a:ext cx="654300" cy="430887"/>
+          </a:xfrm>
+          <a:prstGeom prst="rect">
+            <a:avLst/>
+          </a:prstGeom>
+          <a:noFill/>
+        </p:spPr>
+        <p:txBody>
+          <a:bodyPr wrap="square" rtlCol="0">
+            <a:spAutoFit/>
+          </a:bodyPr>
+          <a:lstStyle/>
+          <a:p>
+            <a:pPr algn="ctr"/>
+            <a:r>
+              <a:rPr lang="en-US" altLang="ko-KR" sz="1100" dirty="0"/>
+              <a:t>Down</a:t>
+            </a:r>
+          </a:p>
+          <a:p>
+            <a:pPr algn="ctr"/>
+            <a:r>
+              <a:rPr lang="en-US" altLang="ko-KR" sz="1100" dirty="0"/>
+              <a:t>sample</a:t>
+            </a:r>
+            <a:endParaRPr lang="ko-KR" altLang="en-US" sz="1100" dirty="0"/>
+          </a:p>
+        </p:txBody>
+      </p:sp>
+      <p:sp>
+        <p:nvSpPr>
+          <p:cNvPr id="21" name="TextBox 20">
+            <a:extLst>
+              <a:ext uri="{FF2B5EF4-FFF2-40B4-BE49-F238E27FC236}">
+                <a16:creationId xmlns:a16="http://schemas.microsoft.com/office/drawing/2014/main" id="{8D6EEE01-FA3E-E40D-790C-497AF804BDC2}"/>
+              </a:ext>
+            </a:extLst>
+          </p:cNvPr>
+          <p:cNvSpPr txBox="1"/>
+          <p:nvPr/>
+        </p:nvSpPr>
+        <p:spPr>
+          <a:xfrm>
+            <a:off x="9866430" y="1278385"/>
+            <a:ext cx="654300" cy="430887"/>
+          </a:xfrm>
+          <a:prstGeom prst="rect">
+            <a:avLst/>
+          </a:prstGeom>
+          <a:noFill/>
+        </p:spPr>
+        <p:txBody>
+          <a:bodyPr wrap="square" rtlCol="0">
+            <a:spAutoFit/>
+          </a:bodyPr>
+          <a:lstStyle/>
+          <a:p>
+            <a:pPr algn="ctr"/>
+            <a:r>
+              <a:rPr lang="en-US" altLang="ko-KR" sz="1100" dirty="0"/>
+              <a:t>Up</a:t>
+            </a:r>
+          </a:p>
+          <a:p>
+            <a:pPr algn="ctr"/>
+            <a:r>
+              <a:rPr lang="en-US" altLang="ko-KR" sz="1100" dirty="0"/>
+              <a:t>sample</a:t>
+            </a:r>
+            <a:endParaRPr lang="ko-KR" altLang="en-US" sz="1100" dirty="0"/>
+          </a:p>
+        </p:txBody>
+      </p:sp>
+      <p:sp>
+        <p:nvSpPr>
+          <p:cNvPr id="22" name="TextBox 21">
+            <a:extLst>
+              <a:ext uri="{FF2B5EF4-FFF2-40B4-BE49-F238E27FC236}">
+                <a16:creationId xmlns:a16="http://schemas.microsoft.com/office/drawing/2014/main" id="{C39BA88F-6A80-BA7E-1A50-B151E571D66D}"/>
+              </a:ext>
+            </a:extLst>
+          </p:cNvPr>
+          <p:cNvSpPr txBox="1"/>
+          <p:nvPr/>
+        </p:nvSpPr>
+        <p:spPr>
+          <a:xfrm>
+            <a:off x="10617450" y="1278385"/>
+            <a:ext cx="654300" cy="430887"/>
+          </a:xfrm>
+          <a:prstGeom prst="rect">
+            <a:avLst/>
+          </a:prstGeom>
+          <a:noFill/>
+        </p:spPr>
+        <p:txBody>
+          <a:bodyPr wrap="square" rtlCol="0">
+            <a:spAutoFit/>
+          </a:bodyPr>
+          <a:lstStyle/>
+          <a:p>
+            <a:pPr algn="ctr"/>
+            <a:r>
+              <a:rPr lang="en-US" altLang="ko-KR" sz="1100" dirty="0"/>
+              <a:t>Up</a:t>
+            </a:r>
+          </a:p>
+          <a:p>
+            <a:pPr algn="ctr"/>
+            <a:r>
+              <a:rPr lang="en-US" altLang="ko-KR" sz="1100" dirty="0"/>
+              <a:t>sample</a:t>
+            </a:r>
+            <a:endParaRPr lang="ko-KR" altLang="en-US" sz="1100" dirty="0"/>
+          </a:p>
+        </p:txBody>
+      </p:sp>
+      <p:sp>
+        <p:nvSpPr>
+          <p:cNvPr id="23" name="TextBox 22">
+            <a:extLst>
+              <a:ext uri="{FF2B5EF4-FFF2-40B4-BE49-F238E27FC236}">
+                <a16:creationId xmlns:a16="http://schemas.microsoft.com/office/drawing/2014/main" id="{219591B8-09D8-0F2E-2519-43630326A493}"/>
+              </a:ext>
+            </a:extLst>
+          </p:cNvPr>
+          <p:cNvSpPr txBox="1"/>
+          <p:nvPr/>
+        </p:nvSpPr>
+        <p:spPr>
+          <a:xfrm>
+            <a:off x="2454" y="1844842"/>
+            <a:ext cx="353943" cy="2166150"/>
+          </a:xfrm>
+          <a:prstGeom prst="rect">
+            <a:avLst/>
+          </a:prstGeom>
+          <a:noFill/>
+        </p:spPr>
+        <p:txBody>
+          <a:bodyPr vert="eaVert" wrap="square" rtlCol="0">
+            <a:spAutoFit/>
+          </a:bodyPr>
+          <a:lstStyle/>
+          <a:p>
+            <a:pPr algn="ctr"/>
+            <a:r>
+              <a:rPr lang="en-US" altLang="ko-KR" sz="1100" dirty="0"/>
+              <a:t>[B,184,1024,1024]</a:t>
+            </a:r>
+            <a:endParaRPr lang="ko-KR" altLang="en-US" sz="1100" dirty="0"/>
+          </a:p>
+        </p:txBody>
+      </p:sp>
+      <p:sp>
+        <p:nvSpPr>
+          <p:cNvPr id="24" name="TextBox 23">
+            <a:extLst>
+              <a:ext uri="{FF2B5EF4-FFF2-40B4-BE49-F238E27FC236}">
+                <a16:creationId xmlns:a16="http://schemas.microsoft.com/office/drawing/2014/main" id="{82FAA554-812A-B4BD-5EFE-4CA30D17B74E}"/>
+              </a:ext>
+            </a:extLst>
+          </p:cNvPr>
+          <p:cNvSpPr txBox="1"/>
+          <p:nvPr/>
+        </p:nvSpPr>
+        <p:spPr>
+          <a:xfrm>
+            <a:off x="750465" y="1844842"/>
+            <a:ext cx="353943" cy="2166150"/>
+          </a:xfrm>
+          <a:prstGeom prst="rect">
+            <a:avLst/>
+          </a:prstGeom>
+          <a:noFill/>
+        </p:spPr>
+        <p:txBody>
+          <a:bodyPr vert="eaVert" wrap="square" rtlCol="0">
+            <a:spAutoFit/>
+          </a:bodyPr>
+          <a:lstStyle/>
+          <a:p>
+            <a:pPr algn="ctr"/>
+            <a:r>
+              <a:rPr lang="en-US" altLang="ko-KR" sz="1100" dirty="0"/>
+              <a:t>[B,64,1024,1024]</a:t>
+            </a:r>
+            <a:endParaRPr lang="ko-KR" altLang="en-US" sz="1100" dirty="0"/>
+          </a:p>
+        </p:txBody>
+      </p:sp>
+      <p:sp>
+        <p:nvSpPr>
+          <p:cNvPr id="25" name="TextBox 24">
+            <a:extLst>
+              <a:ext uri="{FF2B5EF4-FFF2-40B4-BE49-F238E27FC236}">
+                <a16:creationId xmlns:a16="http://schemas.microsoft.com/office/drawing/2014/main" id="{1CB5E2BD-2736-B9E9-E982-544BCB115F43}"/>
+              </a:ext>
+            </a:extLst>
+          </p:cNvPr>
+          <p:cNvSpPr txBox="1"/>
+          <p:nvPr/>
+        </p:nvSpPr>
+        <p:spPr>
+          <a:xfrm>
+            <a:off x="1513946" y="1844842"/>
+            <a:ext cx="353943" cy="2166150"/>
+          </a:xfrm>
+          <a:prstGeom prst="rect">
+            <a:avLst/>
+          </a:prstGeom>
+          <a:noFill/>
+        </p:spPr>
+        <p:txBody>
+          <a:bodyPr vert="eaVert" wrap="square" rtlCol="0">
+            <a:spAutoFit/>
+          </a:bodyPr>
+          <a:lstStyle/>
+          <a:p>
+            <a:pPr algn="ctr"/>
+            <a:r>
+              <a:rPr lang="en-US" altLang="ko-KR" sz="1100" dirty="0"/>
+              <a:t>[B,128,512,512]</a:t>
+            </a:r>
+            <a:endParaRPr lang="ko-KR" altLang="en-US" sz="1100" dirty="0"/>
+          </a:p>
+        </p:txBody>
+      </p:sp>
+      <p:sp>
+        <p:nvSpPr>
+          <p:cNvPr id="26" name="TextBox 25">
+            <a:extLst>
+              <a:ext uri="{FF2B5EF4-FFF2-40B4-BE49-F238E27FC236}">
+                <a16:creationId xmlns:a16="http://schemas.microsoft.com/office/drawing/2014/main" id="{76396CA7-9811-55DA-9AEE-C7078DE27D5C}"/>
+              </a:ext>
+            </a:extLst>
+          </p:cNvPr>
+          <p:cNvSpPr txBox="1"/>
+          <p:nvPr/>
+        </p:nvSpPr>
+        <p:spPr>
+          <a:xfrm>
+            <a:off x="2312935" y="1844842"/>
+            <a:ext cx="353943" cy="2166150"/>
+          </a:xfrm>
+          <a:prstGeom prst="rect">
+            <a:avLst/>
+          </a:prstGeom>
+          <a:noFill/>
+        </p:spPr>
+        <p:txBody>
+          <a:bodyPr vert="eaVert" wrap="square" rtlCol="0">
+            <a:spAutoFit/>
+          </a:bodyPr>
+          <a:lstStyle/>
+          <a:p>
+            <a:pPr algn="ctr"/>
+            <a:r>
+              <a:rPr lang="en-US" altLang="ko-KR" sz="1100" dirty="0"/>
+              <a:t>[B,256,256,256]</a:t>
+            </a:r>
+            <a:endParaRPr lang="ko-KR" altLang="en-US" sz="1100" dirty="0"/>
+          </a:p>
+        </p:txBody>
+      </p:sp>
+      <p:sp>
+        <p:nvSpPr>
+          <p:cNvPr id="27" name="TextBox 26">
+            <a:extLst>
+              <a:ext uri="{FF2B5EF4-FFF2-40B4-BE49-F238E27FC236}">
+                <a16:creationId xmlns:a16="http://schemas.microsoft.com/office/drawing/2014/main" id="{F36647F8-CAC2-8B25-1540-0446CD927099}"/>
+              </a:ext>
+            </a:extLst>
+          </p:cNvPr>
+          <p:cNvSpPr txBox="1"/>
+          <p:nvPr/>
+        </p:nvSpPr>
+        <p:spPr>
+          <a:xfrm>
+            <a:off x="3111924" y="1844842"/>
+            <a:ext cx="353943" cy="2166150"/>
+          </a:xfrm>
+          <a:prstGeom prst="rect">
+            <a:avLst/>
+          </a:prstGeom>
+          <a:noFill/>
+        </p:spPr>
+        <p:txBody>
+          <a:bodyPr vert="eaVert" wrap="square" rtlCol="0">
+            <a:spAutoFit/>
+          </a:bodyPr>
+          <a:lstStyle/>
+          <a:p>
+            <a:pPr algn="ctr"/>
+            <a:r>
+              <a:rPr lang="en-US" altLang="ko-KR" sz="1100" dirty="0"/>
+              <a:t>[B,256,256,256]</a:t>
+            </a:r>
+            <a:endParaRPr lang="ko-KR" altLang="en-US" sz="1100" dirty="0"/>
+          </a:p>
+        </p:txBody>
+      </p:sp>
+      <p:sp>
+        <p:nvSpPr>
+          <p:cNvPr id="28" name="TextBox 27">
+            <a:extLst>
+              <a:ext uri="{FF2B5EF4-FFF2-40B4-BE49-F238E27FC236}">
+                <a16:creationId xmlns:a16="http://schemas.microsoft.com/office/drawing/2014/main" id="{758F56BD-A6B6-1286-9467-753269597A84}"/>
+              </a:ext>
+            </a:extLst>
+          </p:cNvPr>
+          <p:cNvSpPr txBox="1"/>
+          <p:nvPr/>
+        </p:nvSpPr>
+        <p:spPr>
+          <a:xfrm>
+            <a:off x="3901412" y="1844842"/>
+            <a:ext cx="353943" cy="2166150"/>
+          </a:xfrm>
+          <a:prstGeom prst="rect">
+            <a:avLst/>
+          </a:prstGeom>
+          <a:noFill/>
+        </p:spPr>
+        <p:txBody>
+          <a:bodyPr vert="eaVert" wrap="square" rtlCol="0">
+            <a:spAutoFit/>
+          </a:bodyPr>
+          <a:lstStyle/>
+          <a:p>
+            <a:pPr algn="ctr"/>
+            <a:r>
+              <a:rPr lang="en-US" altLang="ko-KR" sz="1100" dirty="0"/>
+              <a:t>[B,256,256,256]</a:t>
+            </a:r>
+            <a:endParaRPr lang="ko-KR" altLang="en-US" sz="1100" dirty="0"/>
+          </a:p>
+        </p:txBody>
+      </p:sp>
+      <p:sp>
+        <p:nvSpPr>
+          <p:cNvPr id="29" name="TextBox 28">
+            <a:extLst>
+              <a:ext uri="{FF2B5EF4-FFF2-40B4-BE49-F238E27FC236}">
+                <a16:creationId xmlns:a16="http://schemas.microsoft.com/office/drawing/2014/main" id="{17FB7FC3-778A-7D3C-C6DF-7E3F3CFF27BF}"/>
+              </a:ext>
+            </a:extLst>
+          </p:cNvPr>
+          <p:cNvSpPr txBox="1"/>
+          <p:nvPr/>
+        </p:nvSpPr>
+        <p:spPr>
+          <a:xfrm>
+            <a:off x="4682645" y="1844842"/>
+            <a:ext cx="353943" cy="2166150"/>
+          </a:xfrm>
+          <a:prstGeom prst="rect">
+            <a:avLst/>
+          </a:prstGeom>
+          <a:noFill/>
+        </p:spPr>
+        <p:txBody>
+          <a:bodyPr vert="eaVert" wrap="square" rtlCol="0">
+            <a:spAutoFit/>
+          </a:bodyPr>
+          <a:lstStyle/>
+          <a:p>
+            <a:pPr algn="ctr"/>
+            <a:r>
+              <a:rPr lang="en-US" altLang="ko-KR" sz="1100" dirty="0"/>
+              <a:t>[B,256,256,256]</a:t>
+            </a:r>
+            <a:endParaRPr lang="ko-KR" altLang="en-US" sz="1100" dirty="0"/>
+          </a:p>
+        </p:txBody>
+      </p:sp>
+      <p:sp>
+        <p:nvSpPr>
+          <p:cNvPr id="30" name="TextBox 29">
+            <a:extLst>
+              <a:ext uri="{FF2B5EF4-FFF2-40B4-BE49-F238E27FC236}">
+                <a16:creationId xmlns:a16="http://schemas.microsoft.com/office/drawing/2014/main" id="{9A156991-EB69-7677-8CF3-836D24CB738C}"/>
+              </a:ext>
+            </a:extLst>
+          </p:cNvPr>
+          <p:cNvSpPr txBox="1"/>
+          <p:nvPr/>
+        </p:nvSpPr>
+        <p:spPr>
+          <a:xfrm>
+            <a:off x="5481669" y="1844842"/>
+            <a:ext cx="353943" cy="2166150"/>
+          </a:xfrm>
+          <a:prstGeom prst="rect">
+            <a:avLst/>
+          </a:prstGeom>
+          <a:noFill/>
+        </p:spPr>
+        <p:txBody>
+          <a:bodyPr vert="eaVert" wrap="square" rtlCol="0">
+            <a:spAutoFit/>
+          </a:bodyPr>
+          <a:lstStyle/>
+          <a:p>
+            <a:pPr algn="ctr"/>
+            <a:r>
+              <a:rPr lang="en-US" altLang="ko-KR" sz="1100" dirty="0"/>
+              <a:t>[B,256,256,256]</a:t>
+            </a:r>
+            <a:endParaRPr lang="ko-KR" altLang="en-US" sz="1100" dirty="0"/>
+          </a:p>
+        </p:txBody>
+      </p:sp>
+      <p:sp>
+        <p:nvSpPr>
+          <p:cNvPr id="31" name="TextBox 30">
+            <a:extLst>
+              <a:ext uri="{FF2B5EF4-FFF2-40B4-BE49-F238E27FC236}">
+                <a16:creationId xmlns:a16="http://schemas.microsoft.com/office/drawing/2014/main" id="{B7D18E9B-6466-3CCA-44E0-01584FC27ABB}"/>
+              </a:ext>
+            </a:extLst>
+          </p:cNvPr>
+          <p:cNvSpPr txBox="1"/>
+          <p:nvPr/>
+        </p:nvSpPr>
+        <p:spPr>
+          <a:xfrm>
+            <a:off x="6316759" y="1844842"/>
+            <a:ext cx="353943" cy="2166150"/>
+          </a:xfrm>
+          <a:prstGeom prst="rect">
+            <a:avLst/>
+          </a:prstGeom>
+          <a:noFill/>
+        </p:spPr>
+        <p:txBody>
+          <a:bodyPr vert="eaVert" wrap="square" rtlCol="0">
+            <a:spAutoFit/>
+          </a:bodyPr>
+          <a:lstStyle/>
+          <a:p>
+            <a:pPr algn="ctr"/>
+            <a:r>
+              <a:rPr lang="en-US" altLang="ko-KR" sz="1100" dirty="0"/>
+              <a:t>[B,256,256,256]</a:t>
+            </a:r>
+            <a:endParaRPr lang="ko-KR" altLang="en-US" sz="1100" dirty="0"/>
+          </a:p>
+        </p:txBody>
+      </p:sp>
+      <p:sp>
+        <p:nvSpPr>
+          <p:cNvPr id="32" name="TextBox 31">
+            <a:extLst>
+              <a:ext uri="{FF2B5EF4-FFF2-40B4-BE49-F238E27FC236}">
+                <a16:creationId xmlns:a16="http://schemas.microsoft.com/office/drawing/2014/main" id="{C7E47ADA-1C28-EFBA-311D-2AEEA7882F32}"/>
+              </a:ext>
+            </a:extLst>
+          </p:cNvPr>
+          <p:cNvSpPr txBox="1"/>
+          <p:nvPr/>
+        </p:nvSpPr>
+        <p:spPr>
+          <a:xfrm>
+            <a:off x="7177311" y="1844842"/>
+            <a:ext cx="353943" cy="2166150"/>
+          </a:xfrm>
+          <a:prstGeom prst="rect">
+            <a:avLst/>
+          </a:prstGeom>
+          <a:noFill/>
+        </p:spPr>
+        <p:txBody>
+          <a:bodyPr vert="eaVert" wrap="square" rtlCol="0">
+            <a:spAutoFit/>
+          </a:bodyPr>
+          <a:lstStyle/>
+          <a:p>
+            <a:pPr algn="ctr"/>
+            <a:r>
+              <a:rPr lang="en-US" altLang="ko-KR" sz="1100" dirty="0"/>
+              <a:t>[B,256,256,256]</a:t>
+            </a:r>
+            <a:endParaRPr lang="ko-KR" altLang="en-US" sz="1100" dirty="0"/>
+          </a:p>
+        </p:txBody>
+      </p:sp>
+      <p:sp>
+        <p:nvSpPr>
+          <p:cNvPr id="33" name="TextBox 32">
+            <a:extLst>
+              <a:ext uri="{FF2B5EF4-FFF2-40B4-BE49-F238E27FC236}">
+                <a16:creationId xmlns:a16="http://schemas.microsoft.com/office/drawing/2014/main" id="{72F3CEC6-521A-14A3-2377-F208364359CB}"/>
+              </a:ext>
+            </a:extLst>
+          </p:cNvPr>
+          <p:cNvSpPr txBox="1"/>
+          <p:nvPr/>
+        </p:nvSpPr>
+        <p:spPr>
+          <a:xfrm>
+            <a:off x="7986277" y="1844842"/>
+            <a:ext cx="353943" cy="2166150"/>
+          </a:xfrm>
+          <a:prstGeom prst="rect">
+            <a:avLst/>
+          </a:prstGeom>
+          <a:noFill/>
+        </p:spPr>
+        <p:txBody>
+          <a:bodyPr vert="eaVert" wrap="square" rtlCol="0">
+            <a:spAutoFit/>
+          </a:bodyPr>
+          <a:lstStyle/>
+          <a:p>
+            <a:pPr algn="ctr"/>
+            <a:r>
+              <a:rPr lang="en-US" altLang="ko-KR" sz="1100" dirty="0"/>
+              <a:t>[B,256,256,256]</a:t>
+            </a:r>
+            <a:endParaRPr lang="ko-KR" altLang="en-US" sz="1100" dirty="0"/>
+          </a:p>
+        </p:txBody>
+      </p:sp>
+      <p:sp>
+        <p:nvSpPr>
+          <p:cNvPr id="34" name="TextBox 33">
+            <a:extLst>
+              <a:ext uri="{FF2B5EF4-FFF2-40B4-BE49-F238E27FC236}">
+                <a16:creationId xmlns:a16="http://schemas.microsoft.com/office/drawing/2014/main" id="{4714CCB9-4E12-11C5-8318-4D8599F84CE1}"/>
+              </a:ext>
+            </a:extLst>
+          </p:cNvPr>
+          <p:cNvSpPr txBox="1"/>
+          <p:nvPr/>
+        </p:nvSpPr>
+        <p:spPr>
+          <a:xfrm>
+            <a:off x="8837394" y="1844842"/>
+            <a:ext cx="353943" cy="2166150"/>
+          </a:xfrm>
+          <a:prstGeom prst="rect">
+            <a:avLst/>
+          </a:prstGeom>
+          <a:noFill/>
+        </p:spPr>
+        <p:txBody>
+          <a:bodyPr vert="eaVert" wrap="square" rtlCol="0">
+            <a:spAutoFit/>
+          </a:bodyPr>
+          <a:lstStyle/>
+          <a:p>
+            <a:pPr algn="ctr"/>
+            <a:r>
+              <a:rPr lang="en-US" altLang="ko-KR" sz="1100" dirty="0"/>
+              <a:t>[B,256,256,256]</a:t>
+            </a:r>
+            <a:endParaRPr lang="ko-KR" altLang="en-US" sz="1100" dirty="0"/>
+          </a:p>
+        </p:txBody>
+      </p:sp>
+      <p:sp>
+        <p:nvSpPr>
+          <p:cNvPr id="35" name="TextBox 34">
+            <a:extLst>
+              <a:ext uri="{FF2B5EF4-FFF2-40B4-BE49-F238E27FC236}">
+                <a16:creationId xmlns:a16="http://schemas.microsoft.com/office/drawing/2014/main" id="{6DB9A12C-F4B5-7A73-C5D8-6A78DF97B03C}"/>
+              </a:ext>
+            </a:extLst>
+          </p:cNvPr>
+          <p:cNvSpPr txBox="1"/>
+          <p:nvPr/>
+        </p:nvSpPr>
+        <p:spPr>
+          <a:xfrm>
+            <a:off x="9600824" y="1844842"/>
+            <a:ext cx="353943" cy="2166150"/>
+          </a:xfrm>
+          <a:prstGeom prst="rect">
+            <a:avLst/>
+          </a:prstGeom>
+          <a:noFill/>
+        </p:spPr>
+        <p:txBody>
+          <a:bodyPr vert="eaVert" wrap="square" rtlCol="0">
+            <a:spAutoFit/>
+          </a:bodyPr>
+          <a:lstStyle/>
+          <a:p>
+            <a:pPr algn="ctr"/>
+            <a:r>
+              <a:rPr lang="en-US" altLang="ko-KR" sz="1100" dirty="0"/>
+              <a:t>[B,256,256,256]</a:t>
+            </a:r>
+            <a:endParaRPr lang="ko-KR" altLang="en-US" sz="1100" dirty="0"/>
+          </a:p>
+        </p:txBody>
+      </p:sp>
+      <p:sp>
+        <p:nvSpPr>
+          <p:cNvPr id="37" name="TextBox 36">
+            <a:extLst>
+              <a:ext uri="{FF2B5EF4-FFF2-40B4-BE49-F238E27FC236}">
+                <a16:creationId xmlns:a16="http://schemas.microsoft.com/office/drawing/2014/main" id="{356398E9-53CB-3EFF-232E-A3D388A8D1DB}"/>
+              </a:ext>
+            </a:extLst>
+          </p:cNvPr>
+          <p:cNvSpPr txBox="1"/>
+          <p:nvPr/>
+        </p:nvSpPr>
+        <p:spPr>
+          <a:xfrm>
+            <a:off x="10385607" y="1844842"/>
+            <a:ext cx="353943" cy="2166150"/>
+          </a:xfrm>
+          <a:prstGeom prst="rect">
+            <a:avLst/>
+          </a:prstGeom>
+          <a:noFill/>
+        </p:spPr>
+        <p:txBody>
+          <a:bodyPr vert="eaVert" wrap="square" rtlCol="0">
+            <a:spAutoFit/>
+          </a:bodyPr>
+          <a:lstStyle/>
+          <a:p>
+            <a:pPr algn="ctr"/>
+            <a:r>
+              <a:rPr lang="en-US" altLang="ko-KR" sz="1100" dirty="0"/>
+              <a:t>[B,128,512,512]</a:t>
+            </a:r>
+            <a:endParaRPr lang="ko-KR" altLang="en-US" sz="1100" dirty="0"/>
+          </a:p>
+        </p:txBody>
+      </p:sp>
+      <p:sp>
+        <p:nvSpPr>
+          <p:cNvPr id="38" name="TextBox 37">
+            <a:extLst>
+              <a:ext uri="{FF2B5EF4-FFF2-40B4-BE49-F238E27FC236}">
+                <a16:creationId xmlns:a16="http://schemas.microsoft.com/office/drawing/2014/main" id="{BEFF6320-899C-672E-57D2-A2979642E31F}"/>
+              </a:ext>
+            </a:extLst>
+          </p:cNvPr>
+          <p:cNvSpPr txBox="1"/>
+          <p:nvPr/>
+        </p:nvSpPr>
+        <p:spPr>
+          <a:xfrm>
+            <a:off x="11140856" y="1844842"/>
+            <a:ext cx="353943" cy="2166150"/>
+          </a:xfrm>
+          <a:prstGeom prst="rect">
+            <a:avLst/>
+          </a:prstGeom>
+          <a:noFill/>
+        </p:spPr>
+        <p:txBody>
+          <a:bodyPr vert="eaVert" wrap="square" rtlCol="0">
+            <a:spAutoFit/>
+          </a:bodyPr>
+          <a:lstStyle/>
+          <a:p>
+            <a:pPr algn="ctr"/>
+            <a:r>
+              <a:rPr lang="en-US" altLang="ko-KR" sz="1100" dirty="0"/>
+              <a:t>[B,64,1024,1024]</a:t>
+            </a:r>
+            <a:endParaRPr lang="ko-KR" altLang="en-US" sz="1100" dirty="0"/>
+          </a:p>
+        </p:txBody>
+      </p:sp>
+      <p:sp>
+        <p:nvSpPr>
+          <p:cNvPr id="39" name="TextBox 38">
+            <a:extLst>
+              <a:ext uri="{FF2B5EF4-FFF2-40B4-BE49-F238E27FC236}">
+                <a16:creationId xmlns:a16="http://schemas.microsoft.com/office/drawing/2014/main" id="{0FB39844-C193-F309-4865-1D5E623A0E47}"/>
+              </a:ext>
+            </a:extLst>
+          </p:cNvPr>
+          <p:cNvSpPr txBox="1"/>
+          <p:nvPr/>
+        </p:nvSpPr>
+        <p:spPr>
+          <a:xfrm>
+            <a:off x="11870613" y="1844842"/>
+            <a:ext cx="353943" cy="2166150"/>
+          </a:xfrm>
+          <a:prstGeom prst="rect">
+            <a:avLst/>
+          </a:prstGeom>
+          <a:noFill/>
+        </p:spPr>
+        <p:txBody>
+          <a:bodyPr vert="eaVert" wrap="square" rtlCol="0">
+            <a:spAutoFit/>
+          </a:bodyPr>
+          <a:lstStyle/>
+          <a:p>
+            <a:pPr algn="ctr"/>
+            <a:r>
+              <a:rPr lang="en-US" altLang="ko-KR" sz="1100" dirty="0"/>
+              <a:t>[B,3,1024,1024]</a:t>
+            </a:r>
+            <a:endParaRPr lang="ko-KR" altLang="en-US" sz="1100" dirty="0"/>
+          </a:p>
+        </p:txBody>
+      </p:sp>
+    </p:spTree>
+    <p:extLst>
+      <p:ext uri="{BB962C8B-B14F-4D97-AF65-F5344CB8AC3E}">
+        <p14:creationId xmlns:p14="http://schemas.microsoft.com/office/powerpoint/2010/main" val="324120777"/>
+      </p:ext>
+    </p:extLst>
+  </p:cSld>
+  <p:clrMapOvr>
+    <a:masterClrMapping/>
+  </p:clrMapOvr>
+</p:sld>
+</file>
+
+<file path=ppt/slides/slide12.xml><?xml version="1.0" encoding="utf-8"?>
 <p:sld xmlns:a="http://schemas.openxmlformats.org/drawingml/2006/main" xmlns:r="http://schemas.openxmlformats.org/officeDocument/2006/relationships" xmlns:p="http://schemas.openxmlformats.org/presentationml/2006/main">
   <p:cSld>
     <p:spTree>
@@ -4597,271 +6122,6 @@
 </p:sld>
 </file>
 
-<file path=ppt/slides/slide12.xml><?xml version="1.0" encoding="utf-8"?>
-<p:sld xmlns:a="http://schemas.openxmlformats.org/drawingml/2006/main" xmlns:r="http://schemas.openxmlformats.org/officeDocument/2006/relationships" xmlns:p="http://schemas.openxmlformats.org/presentationml/2006/main">
-  <p:cSld>
-    <p:spTree>
-      <p:nvGrpSpPr>
-        <p:cNvPr id="1" name=""/>
-        <p:cNvGrpSpPr/>
-        <p:nvPr/>
-      </p:nvGrpSpPr>
-      <p:grpSpPr>
-        <a:xfrm>
-          <a:off x="0" y="0"/>
-          <a:ext cx="0" cy="0"/>
-          <a:chOff x="0" y="0"/>
-          <a:chExt cx="0" cy="0"/>
-        </a:xfrm>
-      </p:grpSpPr>
-      <p:sp>
-        <p:nvSpPr>
-          <p:cNvPr id="3" name="내용 개체 틀 2">
-            <a:extLst>
-              <a:ext uri="{FF2B5EF4-FFF2-40B4-BE49-F238E27FC236}">
-                <a16:creationId xmlns:a16="http://schemas.microsoft.com/office/drawing/2014/main" id="{E41A3507-BE02-D1C0-3DBC-3E657D5CC4E1}"/>
-              </a:ext>
-            </a:extLst>
-          </p:cNvPr>
-          <p:cNvSpPr>
-            <a:spLocks noGrp="1"/>
-          </p:cNvSpPr>
-          <p:nvPr>
-            <p:ph idx="1"/>
-          </p:nvPr>
-        </p:nvSpPr>
-        <p:spPr>
-          <a:xfrm>
-            <a:off x="7741329" y="1233996"/>
-            <a:ext cx="3604334" cy="4942967"/>
-          </a:xfrm>
-        </p:spPr>
-        <p:txBody>
-          <a:bodyPr/>
-          <a:lstStyle/>
-          <a:p>
-            <a:r>
-              <a:rPr lang="en-US" altLang="ko-KR" dirty="0"/>
-              <a:t>Patch </a:t>
-            </a:r>
-            <a:r>
-              <a:rPr lang="ko-KR" altLang="en-US" dirty="0"/>
-              <a:t>기반이 아닌 </a:t>
-            </a:r>
-            <a:r>
-              <a:rPr lang="en-US" altLang="ko-KR" dirty="0"/>
-              <a:t>discriminator</a:t>
-            </a:r>
-            <a:r>
-              <a:rPr lang="ko-KR" altLang="en-US" dirty="0"/>
-              <a:t>이므로 </a:t>
-            </a:r>
-            <a:r>
-              <a:rPr lang="en-US" altLang="ko-KR" dirty="0"/>
-              <a:t>scalar </a:t>
-            </a:r>
-            <a:r>
-              <a:rPr lang="ko-KR" altLang="en-US" dirty="0"/>
-              <a:t>값을 반환</a:t>
-            </a:r>
-            <a:endParaRPr lang="en-US" altLang="ko-KR" dirty="0"/>
-          </a:p>
-          <a:p>
-            <a:endParaRPr lang="en-US" altLang="ko-KR" dirty="0"/>
-          </a:p>
-          <a:p>
-            <a:r>
-              <a:rPr lang="ko-KR" altLang="en-US" dirty="0"/>
-              <a:t>우측으로 갈 수록 성능 향상</a:t>
-            </a:r>
-            <a:endParaRPr lang="en-US" altLang="ko-KR" dirty="0"/>
-          </a:p>
-          <a:p>
-            <a:endParaRPr lang="en-US" altLang="ko-KR" dirty="0"/>
-          </a:p>
-        </p:txBody>
-      </p:sp>
-      <p:pic>
-        <p:nvPicPr>
-          <p:cNvPr id="5" name="그림 4">
-            <a:extLst>
-              <a:ext uri="{FF2B5EF4-FFF2-40B4-BE49-F238E27FC236}">
-                <a16:creationId xmlns:a16="http://schemas.microsoft.com/office/drawing/2014/main" id="{9906764D-56BC-4B6D-9E56-850F7FC60B62}"/>
-              </a:ext>
-            </a:extLst>
-          </p:cNvPr>
-          <p:cNvPicPr>
-            <a:picLocks noChangeAspect="1"/>
-          </p:cNvPicPr>
-          <p:nvPr/>
-        </p:nvPicPr>
-        <p:blipFill>
-          <a:blip r:embed="rId2"/>
-          <a:stretch>
-            <a:fillRect/>
-          </a:stretch>
-        </p:blipFill>
-        <p:spPr>
-          <a:xfrm>
-            <a:off x="674069" y="692783"/>
-            <a:ext cx="6516844" cy="2265684"/>
-          </a:xfrm>
-          <a:prstGeom prst="rect">
-            <a:avLst/>
-          </a:prstGeom>
-        </p:spPr>
-      </p:pic>
-      <p:pic>
-        <p:nvPicPr>
-          <p:cNvPr id="7" name="그림 6">
-            <a:extLst>
-              <a:ext uri="{FF2B5EF4-FFF2-40B4-BE49-F238E27FC236}">
-                <a16:creationId xmlns:a16="http://schemas.microsoft.com/office/drawing/2014/main" id="{27A198D6-D0EE-0256-78A1-A7B9F5D23969}"/>
-              </a:ext>
-            </a:extLst>
-          </p:cNvPr>
-          <p:cNvPicPr>
-            <a:picLocks noChangeAspect="1"/>
-          </p:cNvPicPr>
-          <p:nvPr/>
-        </p:nvPicPr>
-        <p:blipFill>
-          <a:blip r:embed="rId3"/>
-          <a:stretch>
-            <a:fillRect/>
-          </a:stretch>
-        </p:blipFill>
-        <p:spPr>
-          <a:xfrm>
-            <a:off x="665191" y="2911193"/>
-            <a:ext cx="6516844" cy="3134595"/>
-          </a:xfrm>
-          <a:prstGeom prst="rect">
-            <a:avLst/>
-          </a:prstGeom>
-        </p:spPr>
-      </p:pic>
-      <p:sp>
-        <p:nvSpPr>
-          <p:cNvPr id="8" name="TextBox 7">
-            <a:extLst>
-              <a:ext uri="{FF2B5EF4-FFF2-40B4-BE49-F238E27FC236}">
-                <a16:creationId xmlns:a16="http://schemas.microsoft.com/office/drawing/2014/main" id="{DB988D77-DBBA-E31D-8498-90E16F8D6AC9}"/>
-              </a:ext>
-            </a:extLst>
-          </p:cNvPr>
-          <p:cNvSpPr txBox="1"/>
-          <p:nvPr/>
-        </p:nvSpPr>
-        <p:spPr>
-          <a:xfrm>
-            <a:off x="1109709" y="6045788"/>
-            <a:ext cx="674703" cy="369332"/>
-          </a:xfrm>
-          <a:prstGeom prst="rect">
-            <a:avLst/>
-          </a:prstGeom>
-          <a:noFill/>
-        </p:spPr>
-        <p:txBody>
-          <a:bodyPr wrap="square" rtlCol="0">
-            <a:spAutoFit/>
-          </a:bodyPr>
-          <a:lstStyle/>
-          <a:p>
-            <a:r>
-              <a:rPr lang="en-US" altLang="ko-KR" dirty="0"/>
-              <a:t>[29]</a:t>
-            </a:r>
-            <a:endParaRPr lang="ko-KR" altLang="en-US" dirty="0"/>
-          </a:p>
-        </p:txBody>
-      </p:sp>
-      <p:sp>
-        <p:nvSpPr>
-          <p:cNvPr id="9" name="TextBox 8">
-            <a:extLst>
-              <a:ext uri="{FF2B5EF4-FFF2-40B4-BE49-F238E27FC236}">
-                <a16:creationId xmlns:a16="http://schemas.microsoft.com/office/drawing/2014/main" id="{8D88B98D-B710-1561-6875-6584D69214A0}"/>
-              </a:ext>
-            </a:extLst>
-          </p:cNvPr>
-          <p:cNvSpPr txBox="1"/>
-          <p:nvPr/>
-        </p:nvSpPr>
-        <p:spPr>
-          <a:xfrm>
-            <a:off x="2521258" y="6045788"/>
-            <a:ext cx="674703" cy="369332"/>
-          </a:xfrm>
-          <a:prstGeom prst="rect">
-            <a:avLst/>
-          </a:prstGeom>
-          <a:noFill/>
-        </p:spPr>
-        <p:txBody>
-          <a:bodyPr wrap="square" rtlCol="0">
-            <a:spAutoFit/>
-          </a:bodyPr>
-          <a:lstStyle/>
-          <a:p>
-            <a:r>
-              <a:rPr lang="en-US" altLang="ko-KR" dirty="0"/>
-              <a:t>[39]</a:t>
-            </a:r>
-            <a:endParaRPr lang="ko-KR" altLang="en-US" dirty="0"/>
-          </a:p>
-        </p:txBody>
-      </p:sp>
-      <p:sp>
-        <p:nvSpPr>
-          <p:cNvPr id="10" name="TextBox 9">
-            <a:extLst>
-              <a:ext uri="{FF2B5EF4-FFF2-40B4-BE49-F238E27FC236}">
-                <a16:creationId xmlns:a16="http://schemas.microsoft.com/office/drawing/2014/main" id="{B30826BC-5392-BC11-0DDB-D013EF2E3461}"/>
-              </a:ext>
-            </a:extLst>
-          </p:cNvPr>
-          <p:cNvSpPr txBox="1"/>
-          <p:nvPr/>
-        </p:nvSpPr>
-        <p:spPr>
-          <a:xfrm>
-            <a:off x="5663954" y="6045788"/>
-            <a:ext cx="674703" cy="369332"/>
-          </a:xfrm>
-          <a:prstGeom prst="rect">
-            <a:avLst/>
-          </a:prstGeom>
-          <a:noFill/>
-        </p:spPr>
-        <p:txBody>
-          <a:bodyPr wrap="square" rtlCol="0">
-            <a:spAutoFit/>
-          </a:bodyPr>
-          <a:lstStyle/>
-          <a:p>
-            <a:r>
-              <a:rPr lang="en-US" altLang="ko-KR" dirty="0"/>
-              <a:t>[31]</a:t>
-            </a:r>
-            <a:endParaRPr lang="ko-KR" altLang="en-US" dirty="0"/>
-          </a:p>
-        </p:txBody>
-      </p:sp>
-    </p:spTree>
-    <p:extLst>
-      <p:ext uri="{BB962C8B-B14F-4D97-AF65-F5344CB8AC3E}">
-        <p14:creationId xmlns:p14="http://schemas.microsoft.com/office/powerpoint/2010/main" val="511763645"/>
-      </p:ext>
-    </p:extLst>
-  </p:cSld>
-  <p:clrMapOvr>
-    <a:masterClrMapping/>
-  </p:clrMapOvr>
-</p:sld>
-</file>
-
 <file path=ppt/slides/slide13.xml><?xml version="1.0" encoding="utf-8"?>
 <p:sld xmlns:a="http://schemas.openxmlformats.org/drawingml/2006/main" xmlns:r="http://schemas.openxmlformats.org/officeDocument/2006/relationships" xmlns:p="http://schemas.openxmlformats.org/presentationml/2006/main">
   <p:cSld>
@@ -4884,7 +6144,7 @@
           <p:cNvPr id="3" name="내용 개체 틀 2">
             <a:extLst>
               <a:ext uri="{FF2B5EF4-FFF2-40B4-BE49-F238E27FC236}">
-                <a16:creationId xmlns:a16="http://schemas.microsoft.com/office/drawing/2014/main" id="{B02ED931-2AEE-5645-53E2-E801545C9359}"/>
+                <a16:creationId xmlns:a16="http://schemas.microsoft.com/office/drawing/2014/main" id="{E41A3507-BE02-D1C0-3DBC-3E657D5CC4E1}"/>
               </a:ext>
             </a:extLst>
           </p:cNvPr>
@@ -4897,6 +6157,271 @@
         </p:nvSpPr>
         <p:spPr>
           <a:xfrm>
+            <a:off x="7741329" y="1233996"/>
+            <a:ext cx="3604334" cy="4942967"/>
+          </a:xfrm>
+        </p:spPr>
+        <p:txBody>
+          <a:bodyPr/>
+          <a:lstStyle/>
+          <a:p>
+            <a:r>
+              <a:rPr lang="en-US" altLang="ko-KR" dirty="0"/>
+              <a:t>Patch </a:t>
+            </a:r>
+            <a:r>
+              <a:rPr lang="ko-KR" altLang="en-US" dirty="0"/>
+              <a:t>기반이 아닌 </a:t>
+            </a:r>
+            <a:r>
+              <a:rPr lang="en-US" altLang="ko-KR" dirty="0"/>
+              <a:t>discriminator</a:t>
+            </a:r>
+            <a:r>
+              <a:rPr lang="ko-KR" altLang="en-US" dirty="0"/>
+              <a:t>이므로 </a:t>
+            </a:r>
+            <a:r>
+              <a:rPr lang="en-US" altLang="ko-KR" dirty="0"/>
+              <a:t>scalar </a:t>
+            </a:r>
+            <a:r>
+              <a:rPr lang="ko-KR" altLang="en-US" dirty="0"/>
+              <a:t>값을 반환</a:t>
+            </a:r>
+            <a:endParaRPr lang="en-US" altLang="ko-KR" dirty="0"/>
+          </a:p>
+          <a:p>
+            <a:endParaRPr lang="en-US" altLang="ko-KR" dirty="0"/>
+          </a:p>
+          <a:p>
+            <a:r>
+              <a:rPr lang="ko-KR" altLang="en-US" dirty="0"/>
+              <a:t>우측으로 갈 수록 성능 향상</a:t>
+            </a:r>
+            <a:endParaRPr lang="en-US" altLang="ko-KR" dirty="0"/>
+          </a:p>
+          <a:p>
+            <a:endParaRPr lang="en-US" altLang="ko-KR" dirty="0"/>
+          </a:p>
+        </p:txBody>
+      </p:sp>
+      <p:pic>
+        <p:nvPicPr>
+          <p:cNvPr id="5" name="그림 4">
+            <a:extLst>
+              <a:ext uri="{FF2B5EF4-FFF2-40B4-BE49-F238E27FC236}">
+                <a16:creationId xmlns:a16="http://schemas.microsoft.com/office/drawing/2014/main" id="{9906764D-56BC-4B6D-9E56-850F7FC60B62}"/>
+              </a:ext>
+            </a:extLst>
+          </p:cNvPr>
+          <p:cNvPicPr>
+            <a:picLocks noChangeAspect="1"/>
+          </p:cNvPicPr>
+          <p:nvPr/>
+        </p:nvPicPr>
+        <p:blipFill>
+          <a:blip r:embed="rId2"/>
+          <a:stretch>
+            <a:fillRect/>
+          </a:stretch>
+        </p:blipFill>
+        <p:spPr>
+          <a:xfrm>
+            <a:off x="674069" y="692783"/>
+            <a:ext cx="6516844" cy="2265684"/>
+          </a:xfrm>
+          <a:prstGeom prst="rect">
+            <a:avLst/>
+          </a:prstGeom>
+        </p:spPr>
+      </p:pic>
+      <p:pic>
+        <p:nvPicPr>
+          <p:cNvPr id="7" name="그림 6">
+            <a:extLst>
+              <a:ext uri="{FF2B5EF4-FFF2-40B4-BE49-F238E27FC236}">
+                <a16:creationId xmlns:a16="http://schemas.microsoft.com/office/drawing/2014/main" id="{27A198D6-D0EE-0256-78A1-A7B9F5D23969}"/>
+              </a:ext>
+            </a:extLst>
+          </p:cNvPr>
+          <p:cNvPicPr>
+            <a:picLocks noChangeAspect="1"/>
+          </p:cNvPicPr>
+          <p:nvPr/>
+        </p:nvPicPr>
+        <p:blipFill>
+          <a:blip r:embed="rId3"/>
+          <a:stretch>
+            <a:fillRect/>
+          </a:stretch>
+        </p:blipFill>
+        <p:spPr>
+          <a:xfrm>
+            <a:off x="665191" y="2911193"/>
+            <a:ext cx="6516844" cy="3134595"/>
+          </a:xfrm>
+          <a:prstGeom prst="rect">
+            <a:avLst/>
+          </a:prstGeom>
+        </p:spPr>
+      </p:pic>
+      <p:sp>
+        <p:nvSpPr>
+          <p:cNvPr id="8" name="TextBox 7">
+            <a:extLst>
+              <a:ext uri="{FF2B5EF4-FFF2-40B4-BE49-F238E27FC236}">
+                <a16:creationId xmlns:a16="http://schemas.microsoft.com/office/drawing/2014/main" id="{DB988D77-DBBA-E31D-8498-90E16F8D6AC9}"/>
+              </a:ext>
+            </a:extLst>
+          </p:cNvPr>
+          <p:cNvSpPr txBox="1"/>
+          <p:nvPr/>
+        </p:nvSpPr>
+        <p:spPr>
+          <a:xfrm>
+            <a:off x="1109709" y="6045788"/>
+            <a:ext cx="674703" cy="369332"/>
+          </a:xfrm>
+          <a:prstGeom prst="rect">
+            <a:avLst/>
+          </a:prstGeom>
+          <a:noFill/>
+        </p:spPr>
+        <p:txBody>
+          <a:bodyPr wrap="square" rtlCol="0">
+            <a:spAutoFit/>
+          </a:bodyPr>
+          <a:lstStyle/>
+          <a:p>
+            <a:r>
+              <a:rPr lang="en-US" altLang="ko-KR" dirty="0"/>
+              <a:t>[29]</a:t>
+            </a:r>
+            <a:endParaRPr lang="ko-KR" altLang="en-US" dirty="0"/>
+          </a:p>
+        </p:txBody>
+      </p:sp>
+      <p:sp>
+        <p:nvSpPr>
+          <p:cNvPr id="9" name="TextBox 8">
+            <a:extLst>
+              <a:ext uri="{FF2B5EF4-FFF2-40B4-BE49-F238E27FC236}">
+                <a16:creationId xmlns:a16="http://schemas.microsoft.com/office/drawing/2014/main" id="{8D88B98D-B710-1561-6875-6584D69214A0}"/>
+              </a:ext>
+            </a:extLst>
+          </p:cNvPr>
+          <p:cNvSpPr txBox="1"/>
+          <p:nvPr/>
+        </p:nvSpPr>
+        <p:spPr>
+          <a:xfrm>
+            <a:off x="2521258" y="6045788"/>
+            <a:ext cx="674703" cy="369332"/>
+          </a:xfrm>
+          <a:prstGeom prst="rect">
+            <a:avLst/>
+          </a:prstGeom>
+          <a:noFill/>
+        </p:spPr>
+        <p:txBody>
+          <a:bodyPr wrap="square" rtlCol="0">
+            <a:spAutoFit/>
+          </a:bodyPr>
+          <a:lstStyle/>
+          <a:p>
+            <a:r>
+              <a:rPr lang="en-US" altLang="ko-KR" dirty="0"/>
+              <a:t>[39]</a:t>
+            </a:r>
+            <a:endParaRPr lang="ko-KR" altLang="en-US" dirty="0"/>
+          </a:p>
+        </p:txBody>
+      </p:sp>
+      <p:sp>
+        <p:nvSpPr>
+          <p:cNvPr id="10" name="TextBox 9">
+            <a:extLst>
+              <a:ext uri="{FF2B5EF4-FFF2-40B4-BE49-F238E27FC236}">
+                <a16:creationId xmlns:a16="http://schemas.microsoft.com/office/drawing/2014/main" id="{B30826BC-5392-BC11-0DDB-D013EF2E3461}"/>
+              </a:ext>
+            </a:extLst>
+          </p:cNvPr>
+          <p:cNvSpPr txBox="1"/>
+          <p:nvPr/>
+        </p:nvSpPr>
+        <p:spPr>
+          <a:xfrm>
+            <a:off x="5663954" y="6045788"/>
+            <a:ext cx="674703" cy="369332"/>
+          </a:xfrm>
+          <a:prstGeom prst="rect">
+            <a:avLst/>
+          </a:prstGeom>
+          <a:noFill/>
+        </p:spPr>
+        <p:txBody>
+          <a:bodyPr wrap="square" rtlCol="0">
+            <a:spAutoFit/>
+          </a:bodyPr>
+          <a:lstStyle/>
+          <a:p>
+            <a:r>
+              <a:rPr lang="en-US" altLang="ko-KR" dirty="0"/>
+              <a:t>[31]</a:t>
+            </a:r>
+            <a:endParaRPr lang="ko-KR" altLang="en-US" dirty="0"/>
+          </a:p>
+        </p:txBody>
+      </p:sp>
+    </p:spTree>
+    <p:extLst>
+      <p:ext uri="{BB962C8B-B14F-4D97-AF65-F5344CB8AC3E}">
+        <p14:creationId xmlns:p14="http://schemas.microsoft.com/office/powerpoint/2010/main" val="511763645"/>
+      </p:ext>
+    </p:extLst>
+  </p:cSld>
+  <p:clrMapOvr>
+    <a:masterClrMapping/>
+  </p:clrMapOvr>
+</p:sld>
+</file>
+
+<file path=ppt/slides/slide14.xml><?xml version="1.0" encoding="utf-8"?>
+<p:sld xmlns:a="http://schemas.openxmlformats.org/drawingml/2006/main" xmlns:r="http://schemas.openxmlformats.org/officeDocument/2006/relationships" xmlns:p="http://schemas.openxmlformats.org/presentationml/2006/main">
+  <p:cSld>
+    <p:spTree>
+      <p:nvGrpSpPr>
+        <p:cNvPr id="1" name=""/>
+        <p:cNvGrpSpPr/>
+        <p:nvPr/>
+      </p:nvGrpSpPr>
+      <p:grpSpPr>
+        <a:xfrm>
+          <a:off x="0" y="0"/>
+          <a:ext cx="0" cy="0"/>
+          <a:chOff x="0" y="0"/>
+          <a:chExt cx="0" cy="0"/>
+        </a:xfrm>
+      </p:grpSpPr>
+      <p:sp>
+        <p:nvSpPr>
+          <p:cNvPr id="3" name="내용 개체 틀 2">
+            <a:extLst>
+              <a:ext uri="{FF2B5EF4-FFF2-40B4-BE49-F238E27FC236}">
+                <a16:creationId xmlns:a16="http://schemas.microsoft.com/office/drawing/2014/main" id="{B02ED931-2AEE-5645-53E2-E801545C9359}"/>
+              </a:ext>
+            </a:extLst>
+          </p:cNvPr>
+          <p:cNvSpPr>
+            <a:spLocks noGrp="1"/>
+          </p:cNvSpPr>
+          <p:nvPr>
+            <p:ph idx="1"/>
+          </p:nvPr>
+        </p:nvSpPr>
+        <p:spPr>
+          <a:xfrm>
             <a:off x="838200" y="3728621"/>
             <a:ext cx="10515600" cy="2448342"/>
           </a:xfrm>
@@ -4925,18 +6450,22 @@
             </a:r>
             <a:r>
               <a:rPr lang="ko-KR" altLang="en-US" dirty="0"/>
-              <a:t>에서 단순히 </a:t>
-            </a:r>
-            <a:r>
-              <a:rPr lang="en-US" altLang="ko-KR" dirty="0" err="1"/>
+              <a:t>에서 </a:t>
+            </a:r>
+            <a:r>
+              <a:rPr lang="ko-KR" altLang="en-US"/>
+              <a:t>단순히 </a:t>
+            </a:r>
+            <a:r>
+              <a:rPr lang="en-US" altLang="ko-KR"/>
               <a:t>rgb</a:t>
             </a:r>
             <a:r>
-              <a:rPr lang="ko-KR" altLang="en-US" dirty="0"/>
+              <a:rPr lang="ko-KR" altLang="en-US"/>
               <a:t>와 </a:t>
             </a:r>
             <a:r>
-              <a:rPr lang="en-US" altLang="ko-KR" dirty="0"/>
+              <a:rPr lang="en-US" altLang="ko-KR"/>
               <a:t>semantic label</a:t>
             </a:r>
             <a:r>
@@ -5079,7 +6608,7 @@
 </p:sld>
 </file>
 
-<file path=ppt/slides/slide14.xml><?xml version="1.0" encoding="utf-8"?>
+<file path=ppt/slides/slide15.xml><?xml version="1.0" encoding="utf-8"?>
 <p:sld xmlns:a="http://schemas.openxmlformats.org/drawingml/2006/main" xmlns:r="http://schemas.openxmlformats.org/officeDocument/2006/relationships" xmlns:p="http://schemas.openxmlformats.org/presentationml/2006/main">
   <p:cSld>
     <p:spTree>
@@ -5135,8 +6664,12 @@
               <a:t>과 </a:t>
             </a:r>
             <a:r>
-              <a:rPr lang="en-US" altLang="ko-KR" dirty="0"/>
-              <a:t>Semantic label stream</a:t>
+              <a:rPr lang="en-US" altLang="ko-KR"/>
+              <a:t>Semantic label </a:t>
+            </a:r>
+            <a:r>
+              <a:rPr lang="en-US" altLang="ko-KR" dirty="0"/>
+              <a:t>stream</a:t>
             </a:r>
             <a:r>
               <a:rPr lang="ko-KR" altLang="en-US" dirty="0"/>
@@ -5176,8 +6709,12 @@
               <a:t>하기 전에 </a:t>
             </a:r>
             <a:r>
-              <a:rPr lang="en-US" altLang="ko-KR" dirty="0"/>
-              <a:t>Sum Global Pooling</a:t>
+              <a:rPr lang="en-US" altLang="ko-KR"/>
+              <a:t>Sum Global </a:t>
+            </a:r>
+            <a:r>
+              <a:rPr lang="en-US" altLang="ko-KR" dirty="0"/>
+              <a:t>Pooling</a:t>
             </a:r>
             <a:r>
               <a:rPr lang="ko-KR" altLang="en-US" dirty="0"/>
@@ -5201,8 +6738,12 @@
               <a:t>의 </a:t>
             </a:r>
             <a:r>
-              <a:rPr lang="en-US" altLang="ko-KR" dirty="0"/>
-              <a:t>semantic label stream(condition) </a:t>
+              <a:rPr lang="en-US" altLang="ko-KR"/>
+              <a:t>semantic label </a:t>
+            </a:r>
+            <a:r>
+              <a:rPr lang="en-US" altLang="ko-KR" dirty="0"/>
+              <a:t>stream(condition) </a:t>
             </a:r>
             <a:r>
               <a:rPr lang="ko-KR" altLang="en-US" dirty="0"/>
@@ -5254,7 +6795,7 @@
 </p:sld>
 </file>
 
-<file path=ppt/slides/slide15.xml><?xml version="1.0" encoding="utf-8"?>
+<file path=ppt/slides/slide16.xml><?xml version="1.0" encoding="utf-8"?>
 <p:sld xmlns:a="http://schemas.openxmlformats.org/drawingml/2006/main" xmlns:r="http://schemas.openxmlformats.org/officeDocument/2006/relationships" xmlns:p="http://schemas.openxmlformats.org/presentationml/2006/main">
   <p:cSld>
     <p:spTree>
@@ -5407,7 +6948,7 @@
 </p:sld>
 </file>
 
-<file path=ppt/slides/slide16.xml><?xml version="1.0" encoding="utf-8"?>
+<file path=ppt/slides/slide17.xml><?xml version="1.0" encoding="utf-8"?>
 <p:sld xmlns:a="http://schemas.openxmlformats.org/drawingml/2006/main" xmlns:r="http://schemas.openxmlformats.org/officeDocument/2006/relationships" xmlns:p="http://schemas.openxmlformats.org/presentationml/2006/main">
   <p:cSld>
     <p:spTree>
@@ -6109,10 +7650,14 @@
           <a:p>
             <a:r>
               <a:rPr lang="ko-KR" altLang="en-US" dirty="0"/>
-              <a:t>수정할 영역의 </a:t>
-            </a:r>
-            <a:r>
-              <a:rPr lang="en-US" altLang="ko-KR" dirty="0"/>
+              <a:t>수정할 </a:t>
+            </a:r>
+            <a:r>
+              <a:rPr lang="ko-KR" altLang="en-US"/>
+              <a:t>영역의 </a:t>
+            </a:r>
+            <a:r>
+              <a:rPr lang="en-US" altLang="ko-KR"/>
               <a:t>label</a:t>
             </a:r>
             <a:r>
@@ -6794,7 +8339,7 @@
               <a:t>는 </a:t>
             </a:r>
             <a:r>
-              <a:rPr lang="en-US" altLang="ko-KR" sz="2400" dirty="0"/>
+              <a:rPr lang="en-US" altLang="ko-KR" sz="2400"/>
               <a:t>input  label</a:t>
             </a:r>
             <a:r>
@@ -6827,7 +8372,7 @@
           </a:p>
           <a:p>
             <a:r>
-              <a:rPr lang="en-US" altLang="ko-KR" sz="2400" dirty="0"/>
+              <a:rPr lang="en-US" altLang="ko-KR" sz="2400"/>
               <a:t>SPADE block </a:t>
             </a:r>
             <a:r>
@@ -6877,11 +8422,11 @@
               <a:t>real/fake score</a:t>
             </a:r>
             <a:r>
-              <a:rPr lang="ko-KR" altLang="en-US" sz="2400" dirty="0"/>
+              <a:rPr lang="ko-KR" altLang="en-US" sz="2400"/>
               <a:t>와 </a:t>
             </a:r>
             <a:r>
-              <a:rPr lang="en-US" altLang="ko-KR" sz="2400" dirty="0"/>
+              <a:rPr lang="en-US" altLang="ko-KR" sz="2400"/>
               <a:t>label</a:t>
             </a:r>
             <a:r>
